--- a/PeruPHR-최종보고.pptx
+++ b/PeruPHR-최종보고.pptx
@@ -8,10 +8,21 @@
     <p:sldId id="256" r:id="rId2"/>
     <p:sldId id="257" r:id="rId3"/>
     <p:sldId id="258" r:id="rId4"/>
-    <p:sldId id="259" r:id="rId5"/>
+    <p:sldId id="269" r:id="rId5"/>
     <p:sldId id="260" r:id="rId6"/>
-    <p:sldId id="261" r:id="rId7"/>
-    <p:sldId id="262" r:id="rId8"/>
+    <p:sldId id="270" r:id="rId7"/>
+    <p:sldId id="271" r:id="rId8"/>
+    <p:sldId id="272" r:id="rId9"/>
+    <p:sldId id="273" r:id="rId10"/>
+    <p:sldId id="274" r:id="rId11"/>
+    <p:sldId id="275" r:id="rId12"/>
+    <p:sldId id="276" r:id="rId13"/>
+    <p:sldId id="262" r:id="rId14"/>
+    <p:sldId id="263" r:id="rId15"/>
+    <p:sldId id="265" r:id="rId16"/>
+    <p:sldId id="267" r:id="rId17"/>
+    <p:sldId id="264" r:id="rId18"/>
+    <p:sldId id="277" r:id="rId19"/>
   </p:sldIdLst>
   <p:sldSz cx="9144000" cy="6858000" type="screen4x3"/>
   <p:notesSz cx="6858000" cy="9144000"/>
@@ -3217,6 +3228,2998 @@
 </p:sld>
 </file>
 
+<file path=ppt/slides/slide10.xml><?xml version="1.0" encoding="utf-8"?>
+<p:sld xmlns:a="http://schemas.openxmlformats.org/drawingml/2006/main" xmlns:r="http://schemas.openxmlformats.org/officeDocument/2006/relationships" xmlns:p="http://schemas.openxmlformats.org/presentationml/2006/main">
+  <p:cSld>
+    <p:spTree>
+      <p:nvGrpSpPr>
+        <p:cNvPr id="1" name=""/>
+        <p:cNvGrpSpPr/>
+        <p:nvPr/>
+      </p:nvGrpSpPr>
+      <p:grpSpPr>
+        <a:xfrm>
+          <a:off x="0" y="0"/>
+          <a:ext cx="0" cy="0"/>
+          <a:chOff x="0" y="0"/>
+          <a:chExt cx="0" cy="0"/>
+        </a:xfrm>
+      </p:grpSpPr>
+      <p:sp>
+        <p:nvSpPr>
+          <p:cNvPr id="2" name="직사각형 1"/>
+          <p:cNvSpPr/>
+          <p:nvPr/>
+        </p:nvSpPr>
+        <p:spPr>
+          <a:xfrm>
+            <a:off x="351138" y="404664"/>
+            <a:ext cx="8280920" cy="859819"/>
+          </a:xfrm>
+          <a:prstGeom prst="rect">
+            <a:avLst/>
+          </a:prstGeom>
+          <a:solidFill>
+            <a:srgbClr val="045953"/>
+          </a:solidFill>
+        </p:spPr>
+        <p:style>
+          <a:lnRef idx="2">
+            <a:schemeClr val="accent1">
+              <a:shade val="50000"/>
+            </a:schemeClr>
+          </a:lnRef>
+          <a:fillRef idx="1">
+            <a:schemeClr val="accent1"/>
+          </a:fillRef>
+          <a:effectRef idx="0">
+            <a:schemeClr val="accent1"/>
+          </a:effectRef>
+          <a:fontRef idx="minor">
+            <a:schemeClr val="lt1"/>
+          </a:fontRef>
+        </p:style>
+        <p:txBody>
+          <a:bodyPr rtlCol="0" anchor="ctr"/>
+          <a:lstStyle/>
+          <a:p>
+            <a:pPr algn="ctr"/>
+            <a:endParaRPr lang="ko-KR" altLang="en-US"/>
+          </a:p>
+        </p:txBody>
+      </p:sp>
+      <p:sp>
+        <p:nvSpPr>
+          <p:cNvPr id="6" name="직사각형 5"/>
+          <p:cNvSpPr/>
+          <p:nvPr/>
+        </p:nvSpPr>
+        <p:spPr>
+          <a:xfrm>
+            <a:off x="506169" y="437763"/>
+            <a:ext cx="3555782" cy="830997"/>
+          </a:xfrm>
+          <a:prstGeom prst="rect">
+            <a:avLst/>
+          </a:prstGeom>
+          <a:noFill/>
+        </p:spPr>
+        <p:txBody>
+          <a:bodyPr wrap="none" lIns="91440" tIns="45720" rIns="91440" bIns="45720">
+            <a:spAutoFit/>
+          </a:bodyPr>
+          <a:lstStyle/>
+          <a:p>
+            <a:pPr marL="685800" indent="-685800" algn="ctr">
+              <a:buFont typeface="Wingdings" panose="05000000000000000000" pitchFamily="2" charset="2"/>
+              <a:buChar char="u"/>
+            </a:pPr>
+            <a:r>
+              <a:rPr lang="en-US" altLang="ko-KR" sz="4800" b="1" dirty="0" smtClean="0">
+                <a:ln w="18415" cmpd="sng">
+                  <a:solidFill>
+                    <a:srgbClr val="FFFFFF"/>
+                  </a:solidFill>
+                  <a:prstDash val="solid"/>
+                </a:ln>
+                <a:solidFill>
+                  <a:srgbClr val="FFFFFF"/>
+                </a:solidFill>
+                <a:effectLst>
+                  <a:outerShdw blurRad="63500" dir="3600000" algn="tl" rotWithShape="0">
+                    <a:srgbClr val="000000">
+                      <a:alpha val="70000"/>
+                    </a:srgbClr>
+                  </a:outerShdw>
+                </a:effectLst>
+              </a:rPr>
+              <a:t> </a:t>
+            </a:r>
+            <a:r>
+              <a:rPr lang="ko-KR" altLang="en-US" sz="4800" b="1" dirty="0" smtClean="0">
+                <a:ln w="18415" cmpd="sng">
+                  <a:solidFill>
+                    <a:srgbClr val="FFFFFF"/>
+                  </a:solidFill>
+                  <a:prstDash val="solid"/>
+                </a:ln>
+                <a:solidFill>
+                  <a:srgbClr val="FFFFFF"/>
+                </a:solidFill>
+                <a:effectLst>
+                  <a:outerShdw blurRad="63500" dir="3600000" algn="tl" rotWithShape="0">
+                    <a:srgbClr val="000000">
+                      <a:alpha val="70000"/>
+                    </a:srgbClr>
+                  </a:outerShdw>
+                </a:effectLst>
+              </a:rPr>
+              <a:t>코드리뷰</a:t>
+            </a:r>
+            <a:endParaRPr lang="en-US" altLang="ko-KR" sz="4800" b="1" cap="none" spc="0" dirty="0">
+              <a:ln w="18415" cmpd="sng">
+                <a:solidFill>
+                  <a:srgbClr val="FFFFFF"/>
+                </a:solidFill>
+                <a:prstDash val="solid"/>
+              </a:ln>
+              <a:solidFill>
+                <a:srgbClr val="FFFFFF"/>
+              </a:solidFill>
+              <a:effectLst>
+                <a:outerShdw blurRad="63500" dir="3600000" algn="tl" rotWithShape="0">
+                  <a:srgbClr val="000000">
+                    <a:alpha val="70000"/>
+                  </a:srgbClr>
+                </a:outerShdw>
+              </a:effectLst>
+            </a:endParaRPr>
+          </a:p>
+        </p:txBody>
+      </p:sp>
+      <p:sp>
+        <p:nvSpPr>
+          <p:cNvPr id="14" name="직사각형 13"/>
+          <p:cNvSpPr/>
+          <p:nvPr/>
+        </p:nvSpPr>
+        <p:spPr>
+          <a:xfrm>
+            <a:off x="683568" y="1700808"/>
+            <a:ext cx="1872208" cy="576064"/>
+          </a:xfrm>
+          <a:prstGeom prst="rect">
+            <a:avLst/>
+          </a:prstGeom>
+        </p:spPr>
+        <p:style>
+          <a:lnRef idx="1">
+            <a:schemeClr val="dk1"/>
+          </a:lnRef>
+          <a:fillRef idx="2">
+            <a:schemeClr val="dk1"/>
+          </a:fillRef>
+          <a:effectRef idx="1">
+            <a:schemeClr val="dk1"/>
+          </a:effectRef>
+          <a:fontRef idx="minor">
+            <a:schemeClr val="dk1"/>
+          </a:fontRef>
+        </p:style>
+        <p:txBody>
+          <a:bodyPr rtlCol="0" anchor="ctr"/>
+          <a:lstStyle/>
+          <a:p>
+            <a:pPr algn="ctr"/>
+            <a:r>
+              <a:rPr lang="en-US" altLang="ko-KR" dirty="0"/>
+              <a:t>XmlWriter.java</a:t>
+            </a:r>
+            <a:endParaRPr lang="ko-KR" altLang="en-US" dirty="0"/>
+          </a:p>
+        </p:txBody>
+      </p:sp>
+      <p:pic>
+        <p:nvPicPr>
+          <p:cNvPr id="3074" name="Picture 2" descr="C:\Users\chiyo\Desktop\캡쳐\writer1.PNG"/>
+          <p:cNvPicPr>
+            <a:picLocks noChangeAspect="1" noChangeArrowheads="1"/>
+          </p:cNvPicPr>
+          <p:nvPr/>
+        </p:nvPicPr>
+        <p:blipFill>
+          <a:blip r:embed="rId2">
+            <a:extLst>
+              <a:ext uri="{28A0092B-C50C-407E-A947-70E740481C1C}">
+                <a14:useLocalDpi xmlns:a14="http://schemas.microsoft.com/office/drawing/2010/main" val="0"/>
+              </a:ext>
+            </a:extLst>
+          </a:blip>
+          <a:srcRect/>
+          <a:stretch>
+            <a:fillRect/>
+          </a:stretch>
+        </p:blipFill>
+        <p:spPr bwMode="auto">
+          <a:xfrm>
+            <a:off x="2886911" y="1412776"/>
+            <a:ext cx="3952974" cy="2559969"/>
+          </a:xfrm>
+          <a:prstGeom prst="rect">
+            <a:avLst/>
+          </a:prstGeom>
+          <a:noFill/>
+          <a:extLst>
+            <a:ext uri="{909E8E84-426E-40DD-AFC4-6F175D3DCCD1}">
+              <a14:hiddenFill xmlns:a14="http://schemas.microsoft.com/office/drawing/2010/main">
+                <a:solidFill>
+                  <a:srgbClr val="FFFFFF"/>
+                </a:solidFill>
+              </a14:hiddenFill>
+            </a:ext>
+          </a:extLst>
+        </p:spPr>
+      </p:pic>
+      <p:pic>
+        <p:nvPicPr>
+          <p:cNvPr id="3075" name="Picture 3" descr="C:\Users\chiyo\Desktop\캡쳐\writer2.PNG"/>
+          <p:cNvPicPr>
+            <a:picLocks noChangeAspect="1" noChangeArrowheads="1"/>
+          </p:cNvPicPr>
+          <p:nvPr/>
+        </p:nvPicPr>
+        <p:blipFill>
+          <a:blip r:embed="rId3">
+            <a:extLst>
+              <a:ext uri="{28A0092B-C50C-407E-A947-70E740481C1C}">
+                <a14:useLocalDpi xmlns:a14="http://schemas.microsoft.com/office/drawing/2010/main" val="0"/>
+              </a:ext>
+            </a:extLst>
+          </a:blip>
+          <a:srcRect/>
+          <a:stretch>
+            <a:fillRect/>
+          </a:stretch>
+        </p:blipFill>
+        <p:spPr bwMode="auto">
+          <a:xfrm>
+            <a:off x="4863398" y="3429000"/>
+            <a:ext cx="3869090" cy="3075431"/>
+          </a:xfrm>
+          <a:prstGeom prst="rect">
+            <a:avLst/>
+          </a:prstGeom>
+          <a:noFill/>
+          <a:extLst>
+            <a:ext uri="{909E8E84-426E-40DD-AFC4-6F175D3DCCD1}">
+              <a14:hiddenFill xmlns:a14="http://schemas.microsoft.com/office/drawing/2010/main">
+                <a:solidFill>
+                  <a:srgbClr val="FFFFFF"/>
+                </a:solidFill>
+              </a14:hiddenFill>
+            </a:ext>
+          </a:extLst>
+        </p:spPr>
+      </p:pic>
+    </p:spTree>
+    <p:extLst>
+      <p:ext uri="{BB962C8B-B14F-4D97-AF65-F5344CB8AC3E}">
+        <p14:creationId xmlns:p14="http://schemas.microsoft.com/office/powerpoint/2010/main" val="100188181"/>
+      </p:ext>
+    </p:extLst>
+  </p:cSld>
+  <p:clrMapOvr>
+    <a:masterClrMapping/>
+  </p:clrMapOvr>
+</p:sld>
+</file>
+
+<file path=ppt/slides/slide11.xml><?xml version="1.0" encoding="utf-8"?>
+<p:sld xmlns:a="http://schemas.openxmlformats.org/drawingml/2006/main" xmlns:r="http://schemas.openxmlformats.org/officeDocument/2006/relationships" xmlns:p="http://schemas.openxmlformats.org/presentationml/2006/main">
+  <p:cSld>
+    <p:spTree>
+      <p:nvGrpSpPr>
+        <p:cNvPr id="1" name=""/>
+        <p:cNvGrpSpPr/>
+        <p:nvPr/>
+      </p:nvGrpSpPr>
+      <p:grpSpPr>
+        <a:xfrm>
+          <a:off x="0" y="0"/>
+          <a:ext cx="0" cy="0"/>
+          <a:chOff x="0" y="0"/>
+          <a:chExt cx="0" cy="0"/>
+        </a:xfrm>
+      </p:grpSpPr>
+      <p:sp>
+        <p:nvSpPr>
+          <p:cNvPr id="2" name="직사각형 1"/>
+          <p:cNvSpPr/>
+          <p:nvPr/>
+        </p:nvSpPr>
+        <p:spPr>
+          <a:xfrm>
+            <a:off x="351138" y="404664"/>
+            <a:ext cx="8280920" cy="859819"/>
+          </a:xfrm>
+          <a:prstGeom prst="rect">
+            <a:avLst/>
+          </a:prstGeom>
+          <a:solidFill>
+            <a:srgbClr val="045953"/>
+          </a:solidFill>
+        </p:spPr>
+        <p:style>
+          <a:lnRef idx="2">
+            <a:schemeClr val="accent1">
+              <a:shade val="50000"/>
+            </a:schemeClr>
+          </a:lnRef>
+          <a:fillRef idx="1">
+            <a:schemeClr val="accent1"/>
+          </a:fillRef>
+          <a:effectRef idx="0">
+            <a:schemeClr val="accent1"/>
+          </a:effectRef>
+          <a:fontRef idx="minor">
+            <a:schemeClr val="lt1"/>
+          </a:fontRef>
+        </p:style>
+        <p:txBody>
+          <a:bodyPr rtlCol="0" anchor="ctr"/>
+          <a:lstStyle/>
+          <a:p>
+            <a:pPr algn="ctr"/>
+            <a:endParaRPr lang="ko-KR" altLang="en-US"/>
+          </a:p>
+        </p:txBody>
+      </p:sp>
+      <p:sp>
+        <p:nvSpPr>
+          <p:cNvPr id="6" name="직사각형 5"/>
+          <p:cNvSpPr/>
+          <p:nvPr/>
+        </p:nvSpPr>
+        <p:spPr>
+          <a:xfrm>
+            <a:off x="506169" y="437763"/>
+            <a:ext cx="3555782" cy="830997"/>
+          </a:xfrm>
+          <a:prstGeom prst="rect">
+            <a:avLst/>
+          </a:prstGeom>
+          <a:noFill/>
+        </p:spPr>
+        <p:txBody>
+          <a:bodyPr wrap="none" lIns="91440" tIns="45720" rIns="91440" bIns="45720">
+            <a:spAutoFit/>
+          </a:bodyPr>
+          <a:lstStyle/>
+          <a:p>
+            <a:pPr marL="685800" indent="-685800" algn="ctr">
+              <a:buFont typeface="Wingdings" panose="05000000000000000000" pitchFamily="2" charset="2"/>
+              <a:buChar char="u"/>
+            </a:pPr>
+            <a:r>
+              <a:rPr lang="en-US" altLang="ko-KR" sz="4800" b="1" dirty="0" smtClean="0">
+                <a:ln w="18415" cmpd="sng">
+                  <a:solidFill>
+                    <a:srgbClr val="FFFFFF"/>
+                  </a:solidFill>
+                  <a:prstDash val="solid"/>
+                </a:ln>
+                <a:solidFill>
+                  <a:srgbClr val="FFFFFF"/>
+                </a:solidFill>
+                <a:effectLst>
+                  <a:outerShdw blurRad="63500" dir="3600000" algn="tl" rotWithShape="0">
+                    <a:srgbClr val="000000">
+                      <a:alpha val="70000"/>
+                    </a:srgbClr>
+                  </a:outerShdw>
+                </a:effectLst>
+              </a:rPr>
+              <a:t> </a:t>
+            </a:r>
+            <a:r>
+              <a:rPr lang="ko-KR" altLang="en-US" sz="4800" b="1" dirty="0" smtClean="0">
+                <a:ln w="18415" cmpd="sng">
+                  <a:solidFill>
+                    <a:srgbClr val="FFFFFF"/>
+                  </a:solidFill>
+                  <a:prstDash val="solid"/>
+                </a:ln>
+                <a:solidFill>
+                  <a:srgbClr val="FFFFFF"/>
+                </a:solidFill>
+                <a:effectLst>
+                  <a:outerShdw blurRad="63500" dir="3600000" algn="tl" rotWithShape="0">
+                    <a:srgbClr val="000000">
+                      <a:alpha val="70000"/>
+                    </a:srgbClr>
+                  </a:outerShdw>
+                </a:effectLst>
+              </a:rPr>
+              <a:t>코드리뷰</a:t>
+            </a:r>
+            <a:endParaRPr lang="en-US" altLang="ko-KR" sz="4800" b="1" cap="none" spc="0" dirty="0">
+              <a:ln w="18415" cmpd="sng">
+                <a:solidFill>
+                  <a:srgbClr val="FFFFFF"/>
+                </a:solidFill>
+                <a:prstDash val="solid"/>
+              </a:ln>
+              <a:solidFill>
+                <a:srgbClr val="FFFFFF"/>
+              </a:solidFill>
+              <a:effectLst>
+                <a:outerShdw blurRad="63500" dir="3600000" algn="tl" rotWithShape="0">
+                  <a:srgbClr val="000000">
+                    <a:alpha val="70000"/>
+                  </a:srgbClr>
+                </a:outerShdw>
+              </a:effectLst>
+            </a:endParaRPr>
+          </a:p>
+        </p:txBody>
+      </p:sp>
+      <p:sp>
+        <p:nvSpPr>
+          <p:cNvPr id="14" name="직사각형 13"/>
+          <p:cNvSpPr/>
+          <p:nvPr/>
+        </p:nvSpPr>
+        <p:spPr>
+          <a:xfrm>
+            <a:off x="683568" y="1700808"/>
+            <a:ext cx="1872208" cy="576064"/>
+          </a:xfrm>
+          <a:prstGeom prst="rect">
+            <a:avLst/>
+          </a:prstGeom>
+        </p:spPr>
+        <p:style>
+          <a:lnRef idx="1">
+            <a:schemeClr val="dk1"/>
+          </a:lnRef>
+          <a:fillRef idx="2">
+            <a:schemeClr val="dk1"/>
+          </a:fillRef>
+          <a:effectRef idx="1">
+            <a:schemeClr val="dk1"/>
+          </a:effectRef>
+          <a:fontRef idx="minor">
+            <a:schemeClr val="dk1"/>
+          </a:fontRef>
+        </p:style>
+        <p:txBody>
+          <a:bodyPr rtlCol="0" anchor="ctr"/>
+          <a:lstStyle/>
+          <a:p>
+            <a:pPr algn="ctr"/>
+            <a:r>
+              <a:rPr lang="en-US" altLang="ko-KR" dirty="0" smtClean="0"/>
+              <a:t>XmlParser.java</a:t>
+            </a:r>
+            <a:endParaRPr lang="ko-KR" altLang="en-US" dirty="0"/>
+          </a:p>
+        </p:txBody>
+      </p:sp>
+      <p:pic>
+        <p:nvPicPr>
+          <p:cNvPr id="4100" name="Picture 4" descr="C:\Users\chiyo\Desktop\캡쳐\parser1.PNG"/>
+          <p:cNvPicPr>
+            <a:picLocks noChangeAspect="1" noChangeArrowheads="1"/>
+          </p:cNvPicPr>
+          <p:nvPr/>
+        </p:nvPicPr>
+        <p:blipFill>
+          <a:blip r:embed="rId2">
+            <a:extLst>
+              <a:ext uri="{28A0092B-C50C-407E-A947-70E740481C1C}">
+                <a14:useLocalDpi xmlns:a14="http://schemas.microsoft.com/office/drawing/2010/main" val="0"/>
+              </a:ext>
+            </a:extLst>
+          </a:blip>
+          <a:srcRect/>
+          <a:stretch>
+            <a:fillRect/>
+          </a:stretch>
+        </p:blipFill>
+        <p:spPr bwMode="auto">
+          <a:xfrm>
+            <a:off x="2843807" y="1484784"/>
+            <a:ext cx="3212971" cy="3719339"/>
+          </a:xfrm>
+          <a:prstGeom prst="rect">
+            <a:avLst/>
+          </a:prstGeom>
+          <a:noFill/>
+          <a:extLst>
+            <a:ext uri="{909E8E84-426E-40DD-AFC4-6F175D3DCCD1}">
+              <a14:hiddenFill xmlns:a14="http://schemas.microsoft.com/office/drawing/2010/main">
+                <a:solidFill>
+                  <a:srgbClr val="FFFFFF"/>
+                </a:solidFill>
+              </a14:hiddenFill>
+            </a:ext>
+          </a:extLst>
+        </p:spPr>
+      </p:pic>
+      <p:pic>
+        <p:nvPicPr>
+          <p:cNvPr id="4101" name="Picture 5" descr="C:\Users\chiyo\Desktop\캡쳐\parser2.PNG"/>
+          <p:cNvPicPr>
+            <a:picLocks noChangeAspect="1" noChangeArrowheads="1"/>
+          </p:cNvPicPr>
+          <p:nvPr/>
+        </p:nvPicPr>
+        <p:blipFill>
+          <a:blip r:embed="rId3">
+            <a:extLst>
+              <a:ext uri="{28A0092B-C50C-407E-A947-70E740481C1C}">
+                <a14:useLocalDpi xmlns:a14="http://schemas.microsoft.com/office/drawing/2010/main" val="0"/>
+              </a:ext>
+            </a:extLst>
+          </a:blip>
+          <a:srcRect/>
+          <a:stretch>
+            <a:fillRect/>
+          </a:stretch>
+        </p:blipFill>
+        <p:spPr bwMode="auto">
+          <a:xfrm>
+            <a:off x="5013021" y="2875979"/>
+            <a:ext cx="3590589" cy="3649365"/>
+          </a:xfrm>
+          <a:prstGeom prst="rect">
+            <a:avLst/>
+          </a:prstGeom>
+          <a:noFill/>
+          <a:extLst>
+            <a:ext uri="{909E8E84-426E-40DD-AFC4-6F175D3DCCD1}">
+              <a14:hiddenFill xmlns:a14="http://schemas.microsoft.com/office/drawing/2010/main">
+                <a:solidFill>
+                  <a:srgbClr val="FFFFFF"/>
+                </a:solidFill>
+              </a14:hiddenFill>
+            </a:ext>
+          </a:extLst>
+        </p:spPr>
+      </p:pic>
+    </p:spTree>
+    <p:extLst>
+      <p:ext uri="{BB962C8B-B14F-4D97-AF65-F5344CB8AC3E}">
+        <p14:creationId xmlns:p14="http://schemas.microsoft.com/office/powerpoint/2010/main" val="3382099419"/>
+      </p:ext>
+    </p:extLst>
+  </p:cSld>
+  <p:clrMapOvr>
+    <a:masterClrMapping/>
+  </p:clrMapOvr>
+</p:sld>
+</file>
+
+<file path=ppt/slides/slide12.xml><?xml version="1.0" encoding="utf-8"?>
+<p:sld xmlns:a="http://schemas.openxmlformats.org/drawingml/2006/main" xmlns:r="http://schemas.openxmlformats.org/officeDocument/2006/relationships" xmlns:p="http://schemas.openxmlformats.org/presentationml/2006/main">
+  <p:cSld>
+    <p:spTree>
+      <p:nvGrpSpPr>
+        <p:cNvPr id="1" name=""/>
+        <p:cNvGrpSpPr/>
+        <p:nvPr/>
+      </p:nvGrpSpPr>
+      <p:grpSpPr>
+        <a:xfrm>
+          <a:off x="0" y="0"/>
+          <a:ext cx="0" cy="0"/>
+          <a:chOff x="0" y="0"/>
+          <a:chExt cx="0" cy="0"/>
+        </a:xfrm>
+      </p:grpSpPr>
+      <p:sp>
+        <p:nvSpPr>
+          <p:cNvPr id="2" name="직사각형 1"/>
+          <p:cNvSpPr/>
+          <p:nvPr/>
+        </p:nvSpPr>
+        <p:spPr>
+          <a:xfrm>
+            <a:off x="351138" y="404664"/>
+            <a:ext cx="8280920" cy="859819"/>
+          </a:xfrm>
+          <a:prstGeom prst="rect">
+            <a:avLst/>
+          </a:prstGeom>
+          <a:solidFill>
+            <a:srgbClr val="045953"/>
+          </a:solidFill>
+        </p:spPr>
+        <p:style>
+          <a:lnRef idx="2">
+            <a:schemeClr val="accent1">
+              <a:shade val="50000"/>
+            </a:schemeClr>
+          </a:lnRef>
+          <a:fillRef idx="1">
+            <a:schemeClr val="accent1"/>
+          </a:fillRef>
+          <a:effectRef idx="0">
+            <a:schemeClr val="accent1"/>
+          </a:effectRef>
+          <a:fontRef idx="minor">
+            <a:schemeClr val="lt1"/>
+          </a:fontRef>
+        </p:style>
+        <p:txBody>
+          <a:bodyPr rtlCol="0" anchor="ctr"/>
+          <a:lstStyle/>
+          <a:p>
+            <a:pPr algn="ctr"/>
+            <a:endParaRPr lang="ko-KR" altLang="en-US"/>
+          </a:p>
+        </p:txBody>
+      </p:sp>
+      <p:sp>
+        <p:nvSpPr>
+          <p:cNvPr id="6" name="직사각형 5"/>
+          <p:cNvSpPr/>
+          <p:nvPr/>
+        </p:nvSpPr>
+        <p:spPr>
+          <a:xfrm>
+            <a:off x="506169" y="437763"/>
+            <a:ext cx="3555782" cy="830997"/>
+          </a:xfrm>
+          <a:prstGeom prst="rect">
+            <a:avLst/>
+          </a:prstGeom>
+          <a:noFill/>
+        </p:spPr>
+        <p:txBody>
+          <a:bodyPr wrap="none" lIns="91440" tIns="45720" rIns="91440" bIns="45720">
+            <a:spAutoFit/>
+          </a:bodyPr>
+          <a:lstStyle/>
+          <a:p>
+            <a:pPr marL="685800" indent="-685800" algn="ctr">
+              <a:buFont typeface="Wingdings" panose="05000000000000000000" pitchFamily="2" charset="2"/>
+              <a:buChar char="u"/>
+            </a:pPr>
+            <a:r>
+              <a:rPr lang="en-US" altLang="ko-KR" sz="4800" b="1" dirty="0" smtClean="0">
+                <a:ln w="18415" cmpd="sng">
+                  <a:solidFill>
+                    <a:srgbClr val="FFFFFF"/>
+                  </a:solidFill>
+                  <a:prstDash val="solid"/>
+                </a:ln>
+                <a:solidFill>
+                  <a:srgbClr val="FFFFFF"/>
+                </a:solidFill>
+                <a:effectLst>
+                  <a:outerShdw blurRad="63500" dir="3600000" algn="tl" rotWithShape="0">
+                    <a:srgbClr val="000000">
+                      <a:alpha val="70000"/>
+                    </a:srgbClr>
+                  </a:outerShdw>
+                </a:effectLst>
+              </a:rPr>
+              <a:t> </a:t>
+            </a:r>
+            <a:r>
+              <a:rPr lang="ko-KR" altLang="en-US" sz="4800" b="1" dirty="0" smtClean="0">
+                <a:ln w="18415" cmpd="sng">
+                  <a:solidFill>
+                    <a:srgbClr val="FFFFFF"/>
+                  </a:solidFill>
+                  <a:prstDash val="solid"/>
+                </a:ln>
+                <a:solidFill>
+                  <a:srgbClr val="FFFFFF"/>
+                </a:solidFill>
+                <a:effectLst>
+                  <a:outerShdw blurRad="63500" dir="3600000" algn="tl" rotWithShape="0">
+                    <a:srgbClr val="000000">
+                      <a:alpha val="70000"/>
+                    </a:srgbClr>
+                  </a:outerShdw>
+                </a:effectLst>
+              </a:rPr>
+              <a:t>코드리뷰</a:t>
+            </a:r>
+            <a:endParaRPr lang="en-US" altLang="ko-KR" sz="4800" b="1" cap="none" spc="0" dirty="0">
+              <a:ln w="18415" cmpd="sng">
+                <a:solidFill>
+                  <a:srgbClr val="FFFFFF"/>
+                </a:solidFill>
+                <a:prstDash val="solid"/>
+              </a:ln>
+              <a:solidFill>
+                <a:srgbClr val="FFFFFF"/>
+              </a:solidFill>
+              <a:effectLst>
+                <a:outerShdw blurRad="63500" dir="3600000" algn="tl" rotWithShape="0">
+                  <a:srgbClr val="000000">
+                    <a:alpha val="70000"/>
+                  </a:srgbClr>
+                </a:outerShdw>
+              </a:effectLst>
+            </a:endParaRPr>
+          </a:p>
+        </p:txBody>
+      </p:sp>
+      <p:sp>
+        <p:nvSpPr>
+          <p:cNvPr id="14" name="직사각형 13"/>
+          <p:cNvSpPr/>
+          <p:nvPr/>
+        </p:nvSpPr>
+        <p:spPr>
+          <a:xfrm>
+            <a:off x="683568" y="1700808"/>
+            <a:ext cx="1872208" cy="576064"/>
+          </a:xfrm>
+          <a:prstGeom prst="rect">
+            <a:avLst/>
+          </a:prstGeom>
+        </p:spPr>
+        <p:style>
+          <a:lnRef idx="1">
+            <a:schemeClr val="dk1"/>
+          </a:lnRef>
+          <a:fillRef idx="2">
+            <a:schemeClr val="dk1"/>
+          </a:fillRef>
+          <a:effectRef idx="1">
+            <a:schemeClr val="dk1"/>
+          </a:effectRef>
+          <a:fontRef idx="minor">
+            <a:schemeClr val="dk1"/>
+          </a:fontRef>
+        </p:style>
+        <p:txBody>
+          <a:bodyPr rtlCol="0" anchor="ctr"/>
+          <a:lstStyle/>
+          <a:p>
+            <a:pPr algn="ctr"/>
+            <a:r>
+              <a:rPr lang="en-US" altLang="ko-KR" dirty="0"/>
+              <a:t>HTTPClient.java</a:t>
+            </a:r>
+            <a:endParaRPr lang="ko-KR" altLang="en-US" dirty="0"/>
+          </a:p>
+        </p:txBody>
+      </p:sp>
+      <p:pic>
+        <p:nvPicPr>
+          <p:cNvPr id="5122" name="Picture 2" descr="C:\Users\chiyo\Desktop\캡쳐\http.PNG"/>
+          <p:cNvPicPr>
+            <a:picLocks noChangeAspect="1" noChangeArrowheads="1"/>
+          </p:cNvPicPr>
+          <p:nvPr/>
+        </p:nvPicPr>
+        <p:blipFill>
+          <a:blip r:embed="rId2">
+            <a:extLst>
+              <a:ext uri="{28A0092B-C50C-407E-A947-70E740481C1C}">
+                <a14:useLocalDpi xmlns:a14="http://schemas.microsoft.com/office/drawing/2010/main" val="0"/>
+              </a:ext>
+            </a:extLst>
+          </a:blip>
+          <a:srcRect/>
+          <a:stretch>
+            <a:fillRect/>
+          </a:stretch>
+        </p:blipFill>
+        <p:spPr bwMode="auto">
+          <a:xfrm>
+            <a:off x="2771801" y="1556792"/>
+            <a:ext cx="3695440" cy="1944216"/>
+          </a:xfrm>
+          <a:prstGeom prst="rect">
+            <a:avLst/>
+          </a:prstGeom>
+          <a:noFill/>
+          <a:extLst>
+            <a:ext uri="{909E8E84-426E-40DD-AFC4-6F175D3DCCD1}">
+              <a14:hiddenFill xmlns:a14="http://schemas.microsoft.com/office/drawing/2010/main">
+                <a:solidFill>
+                  <a:srgbClr val="FFFFFF"/>
+                </a:solidFill>
+              </a14:hiddenFill>
+            </a:ext>
+          </a:extLst>
+        </p:spPr>
+      </p:pic>
+      <p:pic>
+        <p:nvPicPr>
+          <p:cNvPr id="5123" name="Picture 3" descr="C:\Users\chiyo\Desktop\캡쳐\http2.PNG"/>
+          <p:cNvPicPr>
+            <a:picLocks noChangeAspect="1" noChangeArrowheads="1"/>
+          </p:cNvPicPr>
+          <p:nvPr/>
+        </p:nvPicPr>
+        <p:blipFill>
+          <a:blip r:embed="rId3">
+            <a:extLst>
+              <a:ext uri="{28A0092B-C50C-407E-A947-70E740481C1C}">
+                <a14:useLocalDpi xmlns:a14="http://schemas.microsoft.com/office/drawing/2010/main" val="0"/>
+              </a:ext>
+            </a:extLst>
+          </a:blip>
+          <a:srcRect/>
+          <a:stretch>
+            <a:fillRect/>
+          </a:stretch>
+        </p:blipFill>
+        <p:spPr bwMode="auto">
+          <a:xfrm>
+            <a:off x="3473107" y="3356992"/>
+            <a:ext cx="5382527" cy="3240360"/>
+          </a:xfrm>
+          <a:prstGeom prst="rect">
+            <a:avLst/>
+          </a:prstGeom>
+          <a:noFill/>
+          <a:extLst>
+            <a:ext uri="{909E8E84-426E-40DD-AFC4-6F175D3DCCD1}">
+              <a14:hiddenFill xmlns:a14="http://schemas.microsoft.com/office/drawing/2010/main">
+                <a:solidFill>
+                  <a:srgbClr val="FFFFFF"/>
+                </a:solidFill>
+              </a14:hiddenFill>
+            </a:ext>
+          </a:extLst>
+        </p:spPr>
+      </p:pic>
+    </p:spTree>
+    <p:extLst>
+      <p:ext uri="{BB962C8B-B14F-4D97-AF65-F5344CB8AC3E}">
+        <p14:creationId xmlns:p14="http://schemas.microsoft.com/office/powerpoint/2010/main" val="562666928"/>
+      </p:ext>
+    </p:extLst>
+  </p:cSld>
+  <p:clrMapOvr>
+    <a:masterClrMapping/>
+  </p:clrMapOvr>
+</p:sld>
+</file>
+
+<file path=ppt/slides/slide13.xml><?xml version="1.0" encoding="utf-8"?>
+<p:sld xmlns:a="http://schemas.openxmlformats.org/drawingml/2006/main" xmlns:r="http://schemas.openxmlformats.org/officeDocument/2006/relationships" xmlns:p="http://schemas.openxmlformats.org/presentationml/2006/main">
+  <p:cSld>
+    <p:spTree>
+      <p:nvGrpSpPr>
+        <p:cNvPr id="1" name=""/>
+        <p:cNvGrpSpPr/>
+        <p:nvPr/>
+      </p:nvGrpSpPr>
+      <p:grpSpPr>
+        <a:xfrm>
+          <a:off x="0" y="0"/>
+          <a:ext cx="0" cy="0"/>
+          <a:chOff x="0" y="0"/>
+          <a:chExt cx="0" cy="0"/>
+        </a:xfrm>
+      </p:grpSpPr>
+      <p:pic>
+        <p:nvPicPr>
+          <p:cNvPr id="7" name="Picture 2" descr="http://cfile25.uf.tistory.com/image/263B694453C4ABB40F5B99">
+            <a:hlinkClick r:id="rId2"/>
+          </p:cNvPr>
+          <p:cNvPicPr>
+            <a:picLocks noChangeAspect="1" noChangeArrowheads="1"/>
+          </p:cNvPicPr>
+          <p:nvPr/>
+        </p:nvPicPr>
+        <p:blipFill rotWithShape="1">
+          <a:blip r:embed="rId3">
+            <a:extLst>
+              <a:ext uri="{BEBA8EAE-BF5A-486C-A8C5-ECC9F3942E4B}">
+                <a14:imgProps xmlns:a14="http://schemas.microsoft.com/office/drawing/2010/main">
+                  <a14:imgLayer r:embed="rId4">
+                    <a14:imgEffect>
+                      <a14:backgroundRemoval t="0" b="100000" l="9773" r="89802"/>
+                    </a14:imgEffect>
+                  </a14:imgLayer>
+                </a14:imgProps>
+              </a:ext>
+              <a:ext uri="{28A0092B-C50C-407E-A947-70E740481C1C}">
+                <a14:useLocalDpi xmlns:a14="http://schemas.microsoft.com/office/drawing/2010/main" val="0"/>
+              </a:ext>
+            </a:extLst>
+          </a:blip>
+          <a:srcRect l="29474" r="32299"/>
+          <a:stretch/>
+        </p:blipFill>
+        <p:spPr bwMode="auto">
+          <a:xfrm>
+            <a:off x="395538" y="1268760"/>
+            <a:ext cx="3096342" cy="5621644"/>
+          </a:xfrm>
+          <a:prstGeom prst="rect">
+            <a:avLst/>
+          </a:prstGeom>
+          <a:noFill/>
+          <a:extLst>
+            <a:ext uri="{909E8E84-426E-40DD-AFC4-6F175D3DCCD1}">
+              <a14:hiddenFill xmlns:a14="http://schemas.microsoft.com/office/drawing/2010/main">
+                <a:solidFill>
+                  <a:srgbClr val="FFFFFF"/>
+                </a:solidFill>
+              </a14:hiddenFill>
+            </a:ext>
+          </a:extLst>
+        </p:spPr>
+      </p:pic>
+      <p:sp>
+        <p:nvSpPr>
+          <p:cNvPr id="2" name="직사각형 1"/>
+          <p:cNvSpPr/>
+          <p:nvPr/>
+        </p:nvSpPr>
+        <p:spPr>
+          <a:xfrm>
+            <a:off x="351138" y="404664"/>
+            <a:ext cx="8280920" cy="859819"/>
+          </a:xfrm>
+          <a:prstGeom prst="rect">
+            <a:avLst/>
+          </a:prstGeom>
+          <a:solidFill>
+            <a:srgbClr val="045953"/>
+          </a:solidFill>
+        </p:spPr>
+        <p:style>
+          <a:lnRef idx="2">
+            <a:schemeClr val="accent1">
+              <a:shade val="50000"/>
+            </a:schemeClr>
+          </a:lnRef>
+          <a:fillRef idx="1">
+            <a:schemeClr val="accent1"/>
+          </a:fillRef>
+          <a:effectRef idx="0">
+            <a:schemeClr val="accent1"/>
+          </a:effectRef>
+          <a:fontRef idx="minor">
+            <a:schemeClr val="lt1"/>
+          </a:fontRef>
+        </p:style>
+        <p:txBody>
+          <a:bodyPr rtlCol="0" anchor="ctr"/>
+          <a:lstStyle/>
+          <a:p>
+            <a:pPr algn="ctr"/>
+            <a:endParaRPr lang="ko-KR" altLang="en-US"/>
+          </a:p>
+        </p:txBody>
+      </p:sp>
+      <p:sp>
+        <p:nvSpPr>
+          <p:cNvPr id="6" name="직사각형 5"/>
+          <p:cNvSpPr/>
+          <p:nvPr/>
+        </p:nvSpPr>
+        <p:spPr>
+          <a:xfrm>
+            <a:off x="395538" y="437763"/>
+            <a:ext cx="4246676" cy="830997"/>
+          </a:xfrm>
+          <a:prstGeom prst="rect">
+            <a:avLst/>
+          </a:prstGeom>
+          <a:noFill/>
+        </p:spPr>
+        <p:txBody>
+          <a:bodyPr wrap="none" lIns="91440" tIns="45720" rIns="91440" bIns="45720">
+            <a:spAutoFit/>
+          </a:bodyPr>
+          <a:lstStyle/>
+          <a:p>
+            <a:pPr marL="685800" indent="-685800" algn="ctr">
+              <a:buFont typeface="Wingdings" panose="05000000000000000000" pitchFamily="2" charset="2"/>
+              <a:buChar char="u"/>
+            </a:pPr>
+            <a:r>
+              <a:rPr lang="en-US" altLang="ko-KR" sz="4800" b="1" dirty="0" smtClean="0">
+                <a:ln w="18415" cmpd="sng">
+                  <a:solidFill>
+                    <a:srgbClr val="FFFFFF"/>
+                  </a:solidFill>
+                  <a:prstDash val="solid"/>
+                </a:ln>
+                <a:solidFill>
+                  <a:srgbClr val="FFFFFF"/>
+                </a:solidFill>
+                <a:effectLst>
+                  <a:outerShdw blurRad="63500" dir="3600000" algn="tl" rotWithShape="0">
+                    <a:srgbClr val="000000">
+                      <a:alpha val="70000"/>
+                    </a:srgbClr>
+                  </a:outerShdw>
+                </a:effectLst>
+              </a:rPr>
+              <a:t> APP Demo</a:t>
+            </a:r>
+            <a:endParaRPr lang="en-US" altLang="ko-KR" sz="4800" b="1" cap="none" spc="0" dirty="0">
+              <a:ln w="18415" cmpd="sng">
+                <a:solidFill>
+                  <a:srgbClr val="FFFFFF"/>
+                </a:solidFill>
+                <a:prstDash val="solid"/>
+              </a:ln>
+              <a:solidFill>
+                <a:srgbClr val="FFFFFF"/>
+              </a:solidFill>
+              <a:effectLst>
+                <a:outerShdw blurRad="63500" dir="3600000" algn="tl" rotWithShape="0">
+                  <a:srgbClr val="000000">
+                    <a:alpha val="70000"/>
+                  </a:srgbClr>
+                </a:outerShdw>
+              </a:effectLst>
+            </a:endParaRPr>
+          </a:p>
+        </p:txBody>
+      </p:sp>
+      <p:pic>
+        <p:nvPicPr>
+          <p:cNvPr id="5" name="Picture 15" descr="C:\Users\omop\Desktop\새 폴더\Screenshot_2016-08-25-10-43-04.png"/>
+          <p:cNvPicPr>
+            <a:picLocks noChangeAspect="1" noChangeArrowheads="1"/>
+          </p:cNvPicPr>
+          <p:nvPr/>
+        </p:nvPicPr>
+        <p:blipFill rotWithShape="1">
+          <a:blip r:embed="rId5" cstate="print">
+            <a:extLst>
+              <a:ext uri="{28A0092B-C50C-407E-A947-70E740481C1C}">
+                <a14:useLocalDpi xmlns:a14="http://schemas.microsoft.com/office/drawing/2010/main" val="0"/>
+              </a:ext>
+            </a:extLst>
+          </a:blip>
+          <a:srcRect b="6728"/>
+          <a:stretch/>
+        </p:blipFill>
+        <p:spPr bwMode="auto">
+          <a:xfrm>
+            <a:off x="683568" y="1988840"/>
+            <a:ext cx="2520280" cy="4179047"/>
+          </a:xfrm>
+          <a:prstGeom prst="rect">
+            <a:avLst/>
+          </a:prstGeom>
+          <a:noFill/>
+          <a:extLst>
+            <a:ext uri="{909E8E84-426E-40DD-AFC4-6F175D3DCCD1}">
+              <a14:hiddenFill xmlns:a14="http://schemas.microsoft.com/office/drawing/2010/main">
+                <a:solidFill>
+                  <a:srgbClr val="FFFFFF"/>
+                </a:solidFill>
+              </a14:hiddenFill>
+            </a:ext>
+          </a:extLst>
+        </p:spPr>
+      </p:pic>
+      <p:sp>
+        <p:nvSpPr>
+          <p:cNvPr id="8" name="TextBox 7"/>
+          <p:cNvSpPr txBox="1"/>
+          <p:nvPr/>
+        </p:nvSpPr>
+        <p:spPr>
+          <a:xfrm>
+            <a:off x="3779912" y="1527175"/>
+            <a:ext cx="4608512" cy="523220"/>
+          </a:xfrm>
+          <a:prstGeom prst="rect">
+            <a:avLst/>
+          </a:prstGeom>
+          <a:noFill/>
+        </p:spPr>
+        <p:txBody>
+          <a:bodyPr wrap="square" rtlCol="0">
+            <a:spAutoFit/>
+          </a:bodyPr>
+          <a:lstStyle/>
+          <a:p>
+            <a:pPr marL="342900" indent="-342900">
+              <a:buFont typeface="Wingdings" panose="05000000000000000000" pitchFamily="2" charset="2"/>
+              <a:buChar char="ü"/>
+            </a:pPr>
+            <a:r>
+              <a:rPr lang="en-US" altLang="ko-KR" sz="2800" dirty="0" smtClean="0"/>
+              <a:t>Splash.xml</a:t>
+            </a:r>
+            <a:endParaRPr lang="ko-KR" altLang="en-US" sz="2800" dirty="0"/>
+          </a:p>
+        </p:txBody>
+      </p:sp>
+    </p:spTree>
+    <p:extLst>
+      <p:ext uri="{BB962C8B-B14F-4D97-AF65-F5344CB8AC3E}">
+        <p14:creationId xmlns:p14="http://schemas.microsoft.com/office/powerpoint/2010/main" val="1107205666"/>
+      </p:ext>
+    </p:extLst>
+  </p:cSld>
+  <p:clrMapOvr>
+    <a:masterClrMapping/>
+  </p:clrMapOvr>
+</p:sld>
+</file>
+
+<file path=ppt/slides/slide14.xml><?xml version="1.0" encoding="utf-8"?>
+<p:sld xmlns:a="http://schemas.openxmlformats.org/drawingml/2006/main" xmlns:r="http://schemas.openxmlformats.org/officeDocument/2006/relationships" xmlns:p="http://schemas.openxmlformats.org/presentationml/2006/main">
+  <p:cSld>
+    <p:spTree>
+      <p:nvGrpSpPr>
+        <p:cNvPr id="1" name=""/>
+        <p:cNvGrpSpPr/>
+        <p:nvPr/>
+      </p:nvGrpSpPr>
+      <p:grpSpPr>
+        <a:xfrm>
+          <a:off x="0" y="0"/>
+          <a:ext cx="0" cy="0"/>
+          <a:chOff x="0" y="0"/>
+          <a:chExt cx="0" cy="0"/>
+        </a:xfrm>
+      </p:grpSpPr>
+      <p:pic>
+        <p:nvPicPr>
+          <p:cNvPr id="7" name="Picture 2" descr="http://cfile25.uf.tistory.com/image/263B694453C4ABB40F5B99">
+            <a:hlinkClick r:id="rId2"/>
+          </p:cNvPr>
+          <p:cNvPicPr>
+            <a:picLocks noChangeAspect="1" noChangeArrowheads="1"/>
+          </p:cNvPicPr>
+          <p:nvPr/>
+        </p:nvPicPr>
+        <p:blipFill rotWithShape="1">
+          <a:blip r:embed="rId3">
+            <a:extLst>
+              <a:ext uri="{BEBA8EAE-BF5A-486C-A8C5-ECC9F3942E4B}">
+                <a14:imgProps xmlns:a14="http://schemas.microsoft.com/office/drawing/2010/main">
+                  <a14:imgLayer r:embed="rId4">
+                    <a14:imgEffect>
+                      <a14:backgroundRemoval t="0" b="100000" l="9773" r="89802"/>
+                    </a14:imgEffect>
+                  </a14:imgLayer>
+                </a14:imgProps>
+              </a:ext>
+              <a:ext uri="{28A0092B-C50C-407E-A947-70E740481C1C}">
+                <a14:useLocalDpi xmlns:a14="http://schemas.microsoft.com/office/drawing/2010/main" val="0"/>
+              </a:ext>
+            </a:extLst>
+          </a:blip>
+          <a:srcRect l="29474" r="32299"/>
+          <a:stretch/>
+        </p:blipFill>
+        <p:spPr bwMode="auto">
+          <a:xfrm>
+            <a:off x="107504" y="1268760"/>
+            <a:ext cx="3096342" cy="5621644"/>
+          </a:xfrm>
+          <a:prstGeom prst="rect">
+            <a:avLst/>
+          </a:prstGeom>
+          <a:noFill/>
+          <a:extLst>
+            <a:ext uri="{909E8E84-426E-40DD-AFC4-6F175D3DCCD1}">
+              <a14:hiddenFill xmlns:a14="http://schemas.microsoft.com/office/drawing/2010/main">
+                <a:solidFill>
+                  <a:srgbClr val="FFFFFF"/>
+                </a:solidFill>
+              </a14:hiddenFill>
+            </a:ext>
+          </a:extLst>
+        </p:spPr>
+      </p:pic>
+      <p:sp>
+        <p:nvSpPr>
+          <p:cNvPr id="2" name="직사각형 1"/>
+          <p:cNvSpPr/>
+          <p:nvPr/>
+        </p:nvSpPr>
+        <p:spPr>
+          <a:xfrm>
+            <a:off x="351138" y="404664"/>
+            <a:ext cx="8280920" cy="859819"/>
+          </a:xfrm>
+          <a:prstGeom prst="rect">
+            <a:avLst/>
+          </a:prstGeom>
+          <a:solidFill>
+            <a:srgbClr val="045953"/>
+          </a:solidFill>
+        </p:spPr>
+        <p:style>
+          <a:lnRef idx="2">
+            <a:schemeClr val="accent1">
+              <a:shade val="50000"/>
+            </a:schemeClr>
+          </a:lnRef>
+          <a:fillRef idx="1">
+            <a:schemeClr val="accent1"/>
+          </a:fillRef>
+          <a:effectRef idx="0">
+            <a:schemeClr val="accent1"/>
+          </a:effectRef>
+          <a:fontRef idx="minor">
+            <a:schemeClr val="lt1"/>
+          </a:fontRef>
+        </p:style>
+        <p:txBody>
+          <a:bodyPr rtlCol="0" anchor="ctr"/>
+          <a:lstStyle/>
+          <a:p>
+            <a:pPr algn="ctr"/>
+            <a:endParaRPr lang="ko-KR" altLang="en-US"/>
+          </a:p>
+        </p:txBody>
+      </p:sp>
+      <p:sp>
+        <p:nvSpPr>
+          <p:cNvPr id="6" name="직사각형 5"/>
+          <p:cNvSpPr/>
+          <p:nvPr/>
+        </p:nvSpPr>
+        <p:spPr>
+          <a:xfrm>
+            <a:off x="395538" y="437763"/>
+            <a:ext cx="4246676" cy="830997"/>
+          </a:xfrm>
+          <a:prstGeom prst="rect">
+            <a:avLst/>
+          </a:prstGeom>
+          <a:noFill/>
+        </p:spPr>
+        <p:txBody>
+          <a:bodyPr wrap="none" lIns="91440" tIns="45720" rIns="91440" bIns="45720">
+            <a:spAutoFit/>
+          </a:bodyPr>
+          <a:lstStyle/>
+          <a:p>
+            <a:pPr marL="685800" indent="-685800" algn="ctr">
+              <a:buFont typeface="Wingdings" panose="05000000000000000000" pitchFamily="2" charset="2"/>
+              <a:buChar char="u"/>
+            </a:pPr>
+            <a:r>
+              <a:rPr lang="en-US" altLang="ko-KR" sz="4800" b="1" dirty="0" smtClean="0">
+                <a:ln w="18415" cmpd="sng">
+                  <a:solidFill>
+                    <a:srgbClr val="FFFFFF"/>
+                  </a:solidFill>
+                  <a:prstDash val="solid"/>
+                </a:ln>
+                <a:solidFill>
+                  <a:srgbClr val="FFFFFF"/>
+                </a:solidFill>
+                <a:effectLst>
+                  <a:outerShdw blurRad="63500" dir="3600000" algn="tl" rotWithShape="0">
+                    <a:srgbClr val="000000">
+                      <a:alpha val="70000"/>
+                    </a:srgbClr>
+                  </a:outerShdw>
+                </a:effectLst>
+              </a:rPr>
+              <a:t> APP Demo</a:t>
+            </a:r>
+            <a:endParaRPr lang="en-US" altLang="ko-KR" sz="4800" b="1" cap="none" spc="0" dirty="0">
+              <a:ln w="18415" cmpd="sng">
+                <a:solidFill>
+                  <a:srgbClr val="FFFFFF"/>
+                </a:solidFill>
+                <a:prstDash val="solid"/>
+              </a:ln>
+              <a:solidFill>
+                <a:srgbClr val="FFFFFF"/>
+              </a:solidFill>
+              <a:effectLst>
+                <a:outerShdw blurRad="63500" dir="3600000" algn="tl" rotWithShape="0">
+                  <a:srgbClr val="000000">
+                    <a:alpha val="70000"/>
+                  </a:srgbClr>
+                </a:outerShdw>
+              </a:effectLst>
+            </a:endParaRPr>
+          </a:p>
+        </p:txBody>
+      </p:sp>
+      <p:pic>
+        <p:nvPicPr>
+          <p:cNvPr id="9" name="Picture 14" descr="C:\Users\omop\Desktop\새 폴더\Screenshot_2016-08-25-10-42-51.png"/>
+          <p:cNvPicPr>
+            <a:picLocks noChangeAspect="1" noChangeArrowheads="1"/>
+          </p:cNvPicPr>
+          <p:nvPr/>
+        </p:nvPicPr>
+        <p:blipFill rotWithShape="1">
+          <a:blip r:embed="rId5" cstate="print">
+            <a:extLst>
+              <a:ext uri="{28A0092B-C50C-407E-A947-70E740481C1C}">
+                <a14:useLocalDpi xmlns:a14="http://schemas.microsoft.com/office/drawing/2010/main" val="0"/>
+              </a:ext>
+            </a:extLst>
+          </a:blip>
+          <a:srcRect t="4883" r="2898" b="4465"/>
+          <a:stretch/>
+        </p:blipFill>
+        <p:spPr bwMode="auto">
+          <a:xfrm>
+            <a:off x="384000" y="1988839"/>
+            <a:ext cx="2528366" cy="4196301"/>
+          </a:xfrm>
+          <a:prstGeom prst="rect">
+            <a:avLst/>
+          </a:prstGeom>
+          <a:noFill/>
+          <a:extLst>
+            <a:ext uri="{909E8E84-426E-40DD-AFC4-6F175D3DCCD1}">
+              <a14:hiddenFill xmlns:a14="http://schemas.microsoft.com/office/drawing/2010/main">
+                <a:solidFill>
+                  <a:srgbClr val="FFFFFF"/>
+                </a:solidFill>
+              </a14:hiddenFill>
+            </a:ext>
+          </a:extLst>
+        </p:spPr>
+      </p:pic>
+      <p:sp>
+        <p:nvSpPr>
+          <p:cNvPr id="15" name="TextBox 14"/>
+          <p:cNvSpPr txBox="1"/>
+          <p:nvPr/>
+        </p:nvSpPr>
+        <p:spPr>
+          <a:xfrm>
+            <a:off x="3203848" y="1340768"/>
+            <a:ext cx="4608512" cy="523220"/>
+          </a:xfrm>
+          <a:prstGeom prst="rect">
+            <a:avLst/>
+          </a:prstGeom>
+          <a:noFill/>
+        </p:spPr>
+        <p:txBody>
+          <a:bodyPr wrap="square" rtlCol="0">
+            <a:spAutoFit/>
+          </a:bodyPr>
+          <a:lstStyle/>
+          <a:p>
+            <a:pPr marL="342900" indent="-342900">
+              <a:buFont typeface="Wingdings" panose="05000000000000000000" pitchFamily="2" charset="2"/>
+              <a:buChar char="ü"/>
+            </a:pPr>
+            <a:r>
+              <a:rPr lang="en-US" altLang="ko-KR" sz="2800" dirty="0" smtClean="0"/>
+              <a:t>Login</a:t>
+            </a:r>
+            <a:endParaRPr lang="ko-KR" altLang="en-US" sz="2800" dirty="0"/>
+          </a:p>
+        </p:txBody>
+      </p:sp>
+      <p:sp>
+        <p:nvSpPr>
+          <p:cNvPr id="16" name="TextBox 15"/>
+          <p:cNvSpPr txBox="1"/>
+          <p:nvPr/>
+        </p:nvSpPr>
+        <p:spPr>
+          <a:xfrm>
+            <a:off x="3275855" y="1988839"/>
+            <a:ext cx="5173041" cy="2862322"/>
+          </a:xfrm>
+          <a:prstGeom prst="rect">
+            <a:avLst/>
+          </a:prstGeom>
+          <a:noFill/>
+        </p:spPr>
+        <p:txBody>
+          <a:bodyPr wrap="square" rtlCol="0">
+            <a:spAutoFit/>
+          </a:bodyPr>
+          <a:lstStyle/>
+          <a:p>
+            <a:endParaRPr lang="en-US" altLang="ko-KR" dirty="0" smtClean="0"/>
+          </a:p>
+          <a:p>
+            <a:pPr marL="342900" indent="-342900">
+              <a:buFont typeface="Arial" panose="020B0604020202020204" pitchFamily="34" charset="0"/>
+              <a:buChar char="•"/>
+            </a:pPr>
+            <a:r>
+              <a:rPr lang="ko-KR" altLang="en-US" dirty="0" err="1" smtClean="0"/>
+              <a:t>입력받은</a:t>
+            </a:r>
+            <a:r>
+              <a:rPr lang="ko-KR" altLang="en-US" dirty="0" smtClean="0"/>
+              <a:t> </a:t>
+            </a:r>
+            <a:r>
+              <a:rPr lang="en-US" altLang="ko-KR" dirty="0" smtClean="0"/>
+              <a:t>ID, PW</a:t>
+            </a:r>
+            <a:r>
+              <a:rPr lang="ko-KR" altLang="en-US" dirty="0"/>
+              <a:t>를</a:t>
+            </a:r>
+            <a:r>
+              <a:rPr lang="ko-KR" altLang="en-US" dirty="0" smtClean="0"/>
+              <a:t> </a:t>
+            </a:r>
+            <a:r>
+              <a:rPr lang="en-US" altLang="ko-KR" dirty="0" smtClean="0"/>
+              <a:t>Server</a:t>
+            </a:r>
+            <a:r>
+              <a:rPr lang="ko-KR" altLang="en-US" dirty="0" smtClean="0"/>
+              <a:t>로 전송</a:t>
+            </a:r>
+            <a:endParaRPr lang="en-US" altLang="ko-KR" dirty="0" smtClean="0"/>
+          </a:p>
+          <a:p>
+            <a:pPr marL="342900" indent="-342900">
+              <a:buFont typeface="Arial" panose="020B0604020202020204" pitchFamily="34" charset="0"/>
+              <a:buChar char="•"/>
+            </a:pPr>
+            <a:endParaRPr lang="en-US" altLang="ko-KR" dirty="0" smtClean="0"/>
+          </a:p>
+          <a:p>
+            <a:pPr marL="342900" indent="-342900">
+              <a:buFont typeface="Arial" panose="020B0604020202020204" pitchFamily="34" charset="0"/>
+              <a:buChar char="•"/>
+            </a:pPr>
+            <a:r>
+              <a:rPr lang="en-US" altLang="ko-KR" dirty="0" smtClean="0"/>
+              <a:t>Server</a:t>
+            </a:r>
+            <a:r>
+              <a:rPr lang="ko-KR" altLang="en-US" dirty="0" smtClean="0"/>
+              <a:t>의</a:t>
+            </a:r>
+            <a:r>
+              <a:rPr lang="en-US" altLang="ko-KR" dirty="0" smtClean="0"/>
+              <a:t> </a:t>
+            </a:r>
+            <a:r>
+              <a:rPr lang="en-US" altLang="ko-KR" dirty="0" err="1" smtClean="0"/>
+              <a:t>reponse</a:t>
+            </a:r>
+            <a:r>
+              <a:rPr lang="ko-KR" altLang="en-US" dirty="0" smtClean="0"/>
+              <a:t>를 통해 인증 후 다음 페이지 이동</a:t>
+            </a:r>
+            <a:r>
+              <a:rPr lang="en-US" altLang="ko-KR" dirty="0" smtClean="0"/>
+              <a:t>.(ID, PW </a:t>
+            </a:r>
+            <a:r>
+              <a:rPr lang="ko-KR" altLang="en-US" dirty="0" smtClean="0"/>
+              <a:t>저장</a:t>
+            </a:r>
+            <a:r>
+              <a:rPr lang="en-US" altLang="ko-KR" dirty="0" smtClean="0"/>
+              <a:t>)</a:t>
+            </a:r>
+          </a:p>
+          <a:p>
+            <a:endParaRPr lang="en-US" altLang="ko-KR" dirty="0" smtClean="0"/>
+          </a:p>
+          <a:p>
+            <a:pPr marL="342900" indent="-342900">
+              <a:buFont typeface="Arial" panose="020B0604020202020204" pitchFamily="34" charset="0"/>
+              <a:buChar char="•"/>
+            </a:pPr>
+            <a:r>
+              <a:rPr lang="ko-KR" altLang="en-US" dirty="0" smtClean="0"/>
+              <a:t>네트워크불가 지역 </a:t>
+            </a:r>
+            <a:r>
+              <a:rPr lang="en-US" altLang="ko-KR" dirty="0" smtClean="0"/>
+              <a:t>-&gt; </a:t>
+            </a:r>
+            <a:r>
+              <a:rPr lang="ko-KR" altLang="en-US" dirty="0" smtClean="0"/>
+              <a:t>저장된 </a:t>
+            </a:r>
+            <a:r>
+              <a:rPr lang="en-US" altLang="ko-KR" dirty="0" smtClean="0"/>
+              <a:t>id, pw,</a:t>
+            </a:r>
+            <a:r>
+              <a:rPr lang="ko-KR" altLang="en-US" dirty="0" smtClean="0"/>
+              <a:t>로 로그인 인증</a:t>
+            </a:r>
+            <a:endParaRPr lang="en-US" altLang="ko-KR" dirty="0" smtClean="0"/>
+          </a:p>
+          <a:p>
+            <a:pPr marL="342900" indent="-342900">
+              <a:buFont typeface="Arial" panose="020B0604020202020204" pitchFamily="34" charset="0"/>
+              <a:buChar char="•"/>
+            </a:pPr>
+            <a:endParaRPr lang="en-US" altLang="ko-KR" dirty="0"/>
+          </a:p>
+          <a:p>
+            <a:pPr marL="342900" indent="-342900">
+              <a:buFont typeface="Arial" panose="020B0604020202020204" pitchFamily="34" charset="0"/>
+              <a:buChar char="•"/>
+            </a:pPr>
+            <a:endParaRPr lang="ko-KR" altLang="en-US" dirty="0"/>
+          </a:p>
+        </p:txBody>
+      </p:sp>
+    </p:spTree>
+    <p:extLst>
+      <p:ext uri="{BB962C8B-B14F-4D97-AF65-F5344CB8AC3E}">
+        <p14:creationId xmlns:p14="http://schemas.microsoft.com/office/powerpoint/2010/main" val="188722411"/>
+      </p:ext>
+    </p:extLst>
+  </p:cSld>
+  <p:clrMapOvr>
+    <a:masterClrMapping/>
+  </p:clrMapOvr>
+</p:sld>
+</file>
+
+<file path=ppt/slides/slide15.xml><?xml version="1.0" encoding="utf-8"?>
+<p:sld xmlns:a="http://schemas.openxmlformats.org/drawingml/2006/main" xmlns:r="http://schemas.openxmlformats.org/officeDocument/2006/relationships" xmlns:p="http://schemas.openxmlformats.org/presentationml/2006/main">
+  <p:cSld>
+    <p:spTree>
+      <p:nvGrpSpPr>
+        <p:cNvPr id="1" name=""/>
+        <p:cNvGrpSpPr/>
+        <p:nvPr/>
+      </p:nvGrpSpPr>
+      <p:grpSpPr>
+        <a:xfrm>
+          <a:off x="0" y="0"/>
+          <a:ext cx="0" cy="0"/>
+          <a:chOff x="0" y="0"/>
+          <a:chExt cx="0" cy="0"/>
+        </a:xfrm>
+      </p:grpSpPr>
+      <p:pic>
+        <p:nvPicPr>
+          <p:cNvPr id="7" name="Picture 2" descr="http://cfile25.uf.tistory.com/image/263B694453C4ABB40F5B99">
+            <a:hlinkClick r:id="rId2"/>
+          </p:cNvPr>
+          <p:cNvPicPr>
+            <a:picLocks noChangeAspect="1" noChangeArrowheads="1"/>
+          </p:cNvPicPr>
+          <p:nvPr/>
+        </p:nvPicPr>
+        <p:blipFill rotWithShape="1">
+          <a:blip r:embed="rId3">
+            <a:extLst>
+              <a:ext uri="{BEBA8EAE-BF5A-486C-A8C5-ECC9F3942E4B}">
+                <a14:imgProps xmlns:a14="http://schemas.microsoft.com/office/drawing/2010/main">
+                  <a14:imgLayer r:embed="rId4">
+                    <a14:imgEffect>
+                      <a14:backgroundRemoval t="0" b="100000" l="9773" r="89802"/>
+                    </a14:imgEffect>
+                  </a14:imgLayer>
+                </a14:imgProps>
+              </a:ext>
+              <a:ext uri="{28A0092B-C50C-407E-A947-70E740481C1C}">
+                <a14:useLocalDpi xmlns:a14="http://schemas.microsoft.com/office/drawing/2010/main" val="0"/>
+              </a:ext>
+            </a:extLst>
+          </a:blip>
+          <a:srcRect l="29474" r="32299"/>
+          <a:stretch/>
+        </p:blipFill>
+        <p:spPr bwMode="auto">
+          <a:xfrm>
+            <a:off x="395538" y="1268760"/>
+            <a:ext cx="3096342" cy="5621644"/>
+          </a:xfrm>
+          <a:prstGeom prst="rect">
+            <a:avLst/>
+          </a:prstGeom>
+          <a:noFill/>
+          <a:extLst>
+            <a:ext uri="{909E8E84-426E-40DD-AFC4-6F175D3DCCD1}">
+              <a14:hiddenFill xmlns:a14="http://schemas.microsoft.com/office/drawing/2010/main">
+                <a:solidFill>
+                  <a:srgbClr val="FFFFFF"/>
+                </a:solidFill>
+              </a14:hiddenFill>
+            </a:ext>
+          </a:extLst>
+        </p:spPr>
+      </p:pic>
+      <p:sp>
+        <p:nvSpPr>
+          <p:cNvPr id="2" name="직사각형 1"/>
+          <p:cNvSpPr/>
+          <p:nvPr/>
+        </p:nvSpPr>
+        <p:spPr>
+          <a:xfrm>
+            <a:off x="351138" y="404664"/>
+            <a:ext cx="8280920" cy="859819"/>
+          </a:xfrm>
+          <a:prstGeom prst="rect">
+            <a:avLst/>
+          </a:prstGeom>
+          <a:solidFill>
+            <a:srgbClr val="045953"/>
+          </a:solidFill>
+        </p:spPr>
+        <p:style>
+          <a:lnRef idx="2">
+            <a:schemeClr val="accent1">
+              <a:shade val="50000"/>
+            </a:schemeClr>
+          </a:lnRef>
+          <a:fillRef idx="1">
+            <a:schemeClr val="accent1"/>
+          </a:fillRef>
+          <a:effectRef idx="0">
+            <a:schemeClr val="accent1"/>
+          </a:effectRef>
+          <a:fontRef idx="minor">
+            <a:schemeClr val="lt1"/>
+          </a:fontRef>
+        </p:style>
+        <p:txBody>
+          <a:bodyPr rtlCol="0" anchor="ctr"/>
+          <a:lstStyle/>
+          <a:p>
+            <a:pPr algn="ctr"/>
+            <a:endParaRPr lang="ko-KR" altLang="en-US"/>
+          </a:p>
+        </p:txBody>
+      </p:sp>
+      <p:sp>
+        <p:nvSpPr>
+          <p:cNvPr id="6" name="직사각형 5"/>
+          <p:cNvSpPr/>
+          <p:nvPr/>
+        </p:nvSpPr>
+        <p:spPr>
+          <a:xfrm>
+            <a:off x="395538" y="437763"/>
+            <a:ext cx="4246676" cy="830997"/>
+          </a:xfrm>
+          <a:prstGeom prst="rect">
+            <a:avLst/>
+          </a:prstGeom>
+          <a:noFill/>
+        </p:spPr>
+        <p:txBody>
+          <a:bodyPr wrap="none" lIns="91440" tIns="45720" rIns="91440" bIns="45720">
+            <a:spAutoFit/>
+          </a:bodyPr>
+          <a:lstStyle/>
+          <a:p>
+            <a:pPr marL="685800" indent="-685800" algn="ctr">
+              <a:buFont typeface="Wingdings" panose="05000000000000000000" pitchFamily="2" charset="2"/>
+              <a:buChar char="u"/>
+            </a:pPr>
+            <a:r>
+              <a:rPr lang="en-US" altLang="ko-KR" sz="4800" b="1" dirty="0" smtClean="0">
+                <a:ln w="18415" cmpd="sng">
+                  <a:solidFill>
+                    <a:srgbClr val="FFFFFF"/>
+                  </a:solidFill>
+                  <a:prstDash val="solid"/>
+                </a:ln>
+                <a:solidFill>
+                  <a:srgbClr val="FFFFFF"/>
+                </a:solidFill>
+                <a:effectLst>
+                  <a:outerShdw blurRad="63500" dir="3600000" algn="tl" rotWithShape="0">
+                    <a:srgbClr val="000000">
+                      <a:alpha val="70000"/>
+                    </a:srgbClr>
+                  </a:outerShdw>
+                </a:effectLst>
+              </a:rPr>
+              <a:t> APP Demo</a:t>
+            </a:r>
+            <a:endParaRPr lang="en-US" altLang="ko-KR" sz="4800" b="1" cap="none" spc="0" dirty="0">
+              <a:ln w="18415" cmpd="sng">
+                <a:solidFill>
+                  <a:srgbClr val="FFFFFF"/>
+                </a:solidFill>
+                <a:prstDash val="solid"/>
+              </a:ln>
+              <a:solidFill>
+                <a:srgbClr val="FFFFFF"/>
+              </a:solidFill>
+              <a:effectLst>
+                <a:outerShdw blurRad="63500" dir="3600000" algn="tl" rotWithShape="0">
+                  <a:srgbClr val="000000">
+                    <a:alpha val="70000"/>
+                  </a:srgbClr>
+                </a:outerShdw>
+              </a:effectLst>
+            </a:endParaRPr>
+          </a:p>
+        </p:txBody>
+      </p:sp>
+      <p:pic>
+        <p:nvPicPr>
+          <p:cNvPr id="9" name="Picture 14" descr="C:\Users\omop\Desktop\새 폴더\Screenshot_2016-08-25-10-42-51.png"/>
+          <p:cNvPicPr>
+            <a:picLocks noChangeAspect="1" noChangeArrowheads="1"/>
+          </p:cNvPicPr>
+          <p:nvPr/>
+        </p:nvPicPr>
+        <p:blipFill rotWithShape="1">
+          <a:blip r:embed="rId5" cstate="print">
+            <a:extLst>
+              <a:ext uri="{28A0092B-C50C-407E-A947-70E740481C1C}">
+                <a14:useLocalDpi xmlns:a14="http://schemas.microsoft.com/office/drawing/2010/main" val="0"/>
+              </a:ext>
+            </a:extLst>
+          </a:blip>
+          <a:srcRect t="4883" r="2898" b="4465"/>
+          <a:stretch/>
+        </p:blipFill>
+        <p:spPr bwMode="auto">
+          <a:xfrm>
+            <a:off x="672034" y="1988839"/>
+            <a:ext cx="2528366" cy="4196301"/>
+          </a:xfrm>
+          <a:prstGeom prst="rect">
+            <a:avLst/>
+          </a:prstGeom>
+          <a:noFill/>
+          <a:extLst>
+            <a:ext uri="{909E8E84-426E-40DD-AFC4-6F175D3DCCD1}">
+              <a14:hiddenFill xmlns:a14="http://schemas.microsoft.com/office/drawing/2010/main">
+                <a:solidFill>
+                  <a:srgbClr val="FFFFFF"/>
+                </a:solidFill>
+              </a14:hiddenFill>
+            </a:ext>
+          </a:extLst>
+        </p:spPr>
+      </p:pic>
+      <p:pic>
+        <p:nvPicPr>
+          <p:cNvPr id="11" name="Picture 10" descr="C:\Users\omop\Desktop\새 폴더\Screenshot_2016-08-25-10-44-02.png"/>
+          <p:cNvPicPr>
+            <a:picLocks noChangeAspect="1" noChangeArrowheads="1"/>
+          </p:cNvPicPr>
+          <p:nvPr/>
+        </p:nvPicPr>
+        <p:blipFill rotWithShape="1">
+          <a:blip r:embed="rId6" cstate="print">
+            <a:extLst>
+              <a:ext uri="{28A0092B-C50C-407E-A947-70E740481C1C}">
+                <a14:useLocalDpi xmlns:a14="http://schemas.microsoft.com/office/drawing/2010/main" val="0"/>
+              </a:ext>
+            </a:extLst>
+          </a:blip>
+          <a:srcRect t="4421"/>
+          <a:stretch/>
+        </p:blipFill>
+        <p:spPr bwMode="auto">
+          <a:xfrm>
+            <a:off x="672034" y="1966546"/>
+            <a:ext cx="2513414" cy="4270766"/>
+          </a:xfrm>
+          <a:prstGeom prst="rect">
+            <a:avLst/>
+          </a:prstGeom>
+          <a:noFill/>
+          <a:extLst>
+            <a:ext uri="{909E8E84-426E-40DD-AFC4-6F175D3DCCD1}">
+              <a14:hiddenFill xmlns:a14="http://schemas.microsoft.com/office/drawing/2010/main">
+                <a:solidFill>
+                  <a:srgbClr val="FFFFFF"/>
+                </a:solidFill>
+              </a14:hiddenFill>
+            </a:ext>
+          </a:extLst>
+        </p:spPr>
+      </p:pic>
+      <p:sp>
+        <p:nvSpPr>
+          <p:cNvPr id="12" name="TextBox 11"/>
+          <p:cNvSpPr txBox="1"/>
+          <p:nvPr/>
+        </p:nvSpPr>
+        <p:spPr>
+          <a:xfrm>
+            <a:off x="3779912" y="1527175"/>
+            <a:ext cx="4608512" cy="523220"/>
+          </a:xfrm>
+          <a:prstGeom prst="rect">
+            <a:avLst/>
+          </a:prstGeom>
+          <a:noFill/>
+        </p:spPr>
+        <p:txBody>
+          <a:bodyPr wrap="square" rtlCol="0">
+            <a:spAutoFit/>
+          </a:bodyPr>
+          <a:lstStyle/>
+          <a:p>
+            <a:pPr marL="342900" indent="-342900">
+              <a:buFont typeface="Wingdings" panose="05000000000000000000" pitchFamily="2" charset="2"/>
+              <a:buChar char="ü"/>
+            </a:pPr>
+            <a:r>
+              <a:rPr lang="en-US" altLang="ko-KR" sz="2800" dirty="0" smtClean="0"/>
+              <a:t>PHR</a:t>
+            </a:r>
+            <a:endParaRPr lang="ko-KR" altLang="en-US" sz="2800" dirty="0"/>
+          </a:p>
+        </p:txBody>
+      </p:sp>
+      <p:sp>
+        <p:nvSpPr>
+          <p:cNvPr id="13" name="TextBox 12"/>
+          <p:cNvSpPr txBox="1"/>
+          <p:nvPr/>
+        </p:nvSpPr>
+        <p:spPr>
+          <a:xfrm>
+            <a:off x="3791446" y="2132856"/>
+            <a:ext cx="4840611" cy="1938992"/>
+          </a:xfrm>
+          <a:prstGeom prst="rect">
+            <a:avLst/>
+          </a:prstGeom>
+          <a:noFill/>
+        </p:spPr>
+        <p:txBody>
+          <a:bodyPr wrap="square" rtlCol="0">
+            <a:spAutoFit/>
+          </a:bodyPr>
+          <a:lstStyle/>
+          <a:p>
+            <a:pPr marL="342900" indent="-342900">
+              <a:buFont typeface="Arial" panose="020B0604020202020204" pitchFamily="34" charset="0"/>
+              <a:buChar char="•"/>
+            </a:pPr>
+            <a:r>
+              <a:rPr lang="ko-KR" altLang="en-US" sz="2000" dirty="0" smtClean="0"/>
+              <a:t>서버로 요청한 </a:t>
+            </a:r>
+            <a:r>
+              <a:rPr lang="en-US" altLang="ko-KR" sz="2000" dirty="0" err="1" smtClean="0"/>
+              <a:t>phr</a:t>
+            </a:r>
+            <a:r>
+              <a:rPr lang="ko-KR" altLang="en-US" sz="2000" dirty="0"/>
+              <a:t> </a:t>
+            </a:r>
+            <a:r>
+              <a:rPr lang="en-US" altLang="ko-KR" sz="2000" dirty="0" smtClean="0"/>
+              <a:t>xml data</a:t>
+            </a:r>
+            <a:r>
+              <a:rPr lang="ko-KR" altLang="en-US" sz="2000" dirty="0" smtClean="0"/>
+              <a:t>를 수령 후 항목별 </a:t>
+            </a:r>
+            <a:r>
+              <a:rPr lang="en-US" altLang="ko-KR" sz="2000" dirty="0" smtClean="0"/>
+              <a:t>parsing</a:t>
+            </a:r>
+            <a:r>
+              <a:rPr lang="ko-KR" altLang="en-US" sz="2000" dirty="0" smtClean="0"/>
+              <a:t>후 화면제공</a:t>
+            </a:r>
+            <a:endParaRPr lang="en-US" altLang="ko-KR" sz="2000" dirty="0" smtClean="0"/>
+          </a:p>
+          <a:p>
+            <a:r>
+              <a:rPr lang="en-US" altLang="ko-KR" sz="2000" dirty="0" smtClean="0"/>
+              <a:t>    (</a:t>
+            </a:r>
+            <a:r>
+              <a:rPr lang="en-US" altLang="ko-KR" sz="2000" dirty="0" err="1" smtClean="0"/>
+              <a:t>phr</a:t>
+            </a:r>
+            <a:r>
+              <a:rPr lang="en-US" altLang="ko-KR" sz="2000" dirty="0" smtClean="0"/>
+              <a:t> data </a:t>
+            </a:r>
+            <a:r>
+              <a:rPr lang="ko-KR" altLang="en-US" sz="2000" dirty="0" smtClean="0"/>
+              <a:t>저장</a:t>
+            </a:r>
+            <a:r>
+              <a:rPr lang="en-US" altLang="ko-KR" sz="2000" dirty="0" smtClean="0"/>
+              <a:t>)</a:t>
+            </a:r>
+          </a:p>
+          <a:p>
+            <a:endParaRPr lang="en-US" altLang="ko-KR" sz="2000" dirty="0" smtClean="0"/>
+          </a:p>
+          <a:p>
+            <a:pPr marL="342900" indent="-342900">
+              <a:buFont typeface="Arial" panose="020B0604020202020204" pitchFamily="34" charset="0"/>
+              <a:buChar char="•"/>
+            </a:pPr>
+            <a:r>
+              <a:rPr lang="ko-KR" altLang="en-US" sz="2000" dirty="0"/>
+              <a:t>네트워크불가 지역 </a:t>
+            </a:r>
+            <a:r>
+              <a:rPr lang="en-US" altLang="ko-KR" sz="2000" dirty="0"/>
+              <a:t>-&gt; </a:t>
+            </a:r>
+            <a:r>
+              <a:rPr lang="ko-KR" altLang="en-US" sz="2000" dirty="0" smtClean="0"/>
+              <a:t>저장된 </a:t>
+            </a:r>
+            <a:r>
+              <a:rPr lang="en-US" altLang="ko-KR" sz="2000" dirty="0" err="1" smtClean="0"/>
+              <a:t>phr</a:t>
+            </a:r>
+            <a:r>
+              <a:rPr lang="en-US" altLang="ko-KR" sz="2000" dirty="0" smtClean="0"/>
+              <a:t> </a:t>
+            </a:r>
+            <a:r>
+              <a:rPr lang="ko-KR" altLang="en-US" sz="2000" dirty="0" smtClean="0"/>
+              <a:t>데이터 제공</a:t>
+            </a:r>
+            <a:endParaRPr lang="en-US" altLang="ko-KR" sz="2000" dirty="0"/>
+          </a:p>
+        </p:txBody>
+      </p:sp>
+    </p:spTree>
+    <p:extLst>
+      <p:ext uri="{BB962C8B-B14F-4D97-AF65-F5344CB8AC3E}">
+        <p14:creationId xmlns:p14="http://schemas.microsoft.com/office/powerpoint/2010/main" val="1249526834"/>
+      </p:ext>
+    </p:extLst>
+  </p:cSld>
+  <p:clrMapOvr>
+    <a:masterClrMapping/>
+  </p:clrMapOvr>
+</p:sld>
+</file>
+
+<file path=ppt/slides/slide16.xml><?xml version="1.0" encoding="utf-8"?>
+<p:sld xmlns:a="http://schemas.openxmlformats.org/drawingml/2006/main" xmlns:r="http://schemas.openxmlformats.org/officeDocument/2006/relationships" xmlns:p="http://schemas.openxmlformats.org/presentationml/2006/main">
+  <p:cSld>
+    <p:spTree>
+      <p:nvGrpSpPr>
+        <p:cNvPr id="1" name=""/>
+        <p:cNvGrpSpPr/>
+        <p:nvPr/>
+      </p:nvGrpSpPr>
+      <p:grpSpPr>
+        <a:xfrm>
+          <a:off x="0" y="0"/>
+          <a:ext cx="0" cy="0"/>
+          <a:chOff x="0" y="0"/>
+          <a:chExt cx="0" cy="0"/>
+        </a:xfrm>
+      </p:grpSpPr>
+      <p:pic>
+        <p:nvPicPr>
+          <p:cNvPr id="7" name="Picture 2" descr="http://cfile25.uf.tistory.com/image/263B694453C4ABB40F5B99">
+            <a:hlinkClick r:id="rId2"/>
+          </p:cNvPr>
+          <p:cNvPicPr>
+            <a:picLocks noChangeAspect="1" noChangeArrowheads="1"/>
+          </p:cNvPicPr>
+          <p:nvPr/>
+        </p:nvPicPr>
+        <p:blipFill rotWithShape="1">
+          <a:blip r:embed="rId3">
+            <a:extLst>
+              <a:ext uri="{BEBA8EAE-BF5A-486C-A8C5-ECC9F3942E4B}">
+                <a14:imgProps xmlns:a14="http://schemas.microsoft.com/office/drawing/2010/main">
+                  <a14:imgLayer r:embed="rId4">
+                    <a14:imgEffect>
+                      <a14:backgroundRemoval t="0" b="100000" l="9773" r="89802"/>
+                    </a14:imgEffect>
+                  </a14:imgLayer>
+                </a14:imgProps>
+              </a:ext>
+              <a:ext uri="{28A0092B-C50C-407E-A947-70E740481C1C}">
+                <a14:useLocalDpi xmlns:a14="http://schemas.microsoft.com/office/drawing/2010/main" val="0"/>
+              </a:ext>
+            </a:extLst>
+          </a:blip>
+          <a:srcRect l="29474" r="32299"/>
+          <a:stretch/>
+        </p:blipFill>
+        <p:spPr bwMode="auto">
+          <a:xfrm>
+            <a:off x="395538" y="1268760"/>
+            <a:ext cx="3096342" cy="5621644"/>
+          </a:xfrm>
+          <a:prstGeom prst="rect">
+            <a:avLst/>
+          </a:prstGeom>
+          <a:noFill/>
+          <a:extLst>
+            <a:ext uri="{909E8E84-426E-40DD-AFC4-6F175D3DCCD1}">
+              <a14:hiddenFill xmlns:a14="http://schemas.microsoft.com/office/drawing/2010/main">
+                <a:solidFill>
+                  <a:srgbClr val="FFFFFF"/>
+                </a:solidFill>
+              </a14:hiddenFill>
+            </a:ext>
+          </a:extLst>
+        </p:spPr>
+      </p:pic>
+      <p:sp>
+        <p:nvSpPr>
+          <p:cNvPr id="2" name="직사각형 1"/>
+          <p:cNvSpPr/>
+          <p:nvPr/>
+        </p:nvSpPr>
+        <p:spPr>
+          <a:xfrm>
+            <a:off x="351138" y="404664"/>
+            <a:ext cx="8280920" cy="859819"/>
+          </a:xfrm>
+          <a:prstGeom prst="rect">
+            <a:avLst/>
+          </a:prstGeom>
+          <a:solidFill>
+            <a:srgbClr val="045953"/>
+          </a:solidFill>
+        </p:spPr>
+        <p:style>
+          <a:lnRef idx="2">
+            <a:schemeClr val="accent1">
+              <a:shade val="50000"/>
+            </a:schemeClr>
+          </a:lnRef>
+          <a:fillRef idx="1">
+            <a:schemeClr val="accent1"/>
+          </a:fillRef>
+          <a:effectRef idx="0">
+            <a:schemeClr val="accent1"/>
+          </a:effectRef>
+          <a:fontRef idx="minor">
+            <a:schemeClr val="lt1"/>
+          </a:fontRef>
+        </p:style>
+        <p:txBody>
+          <a:bodyPr rtlCol="0" anchor="ctr"/>
+          <a:lstStyle/>
+          <a:p>
+            <a:pPr algn="ctr"/>
+            <a:endParaRPr lang="ko-KR" altLang="en-US"/>
+          </a:p>
+        </p:txBody>
+      </p:sp>
+      <p:sp>
+        <p:nvSpPr>
+          <p:cNvPr id="6" name="직사각형 5"/>
+          <p:cNvSpPr/>
+          <p:nvPr/>
+        </p:nvSpPr>
+        <p:spPr>
+          <a:xfrm>
+            <a:off x="395538" y="437763"/>
+            <a:ext cx="4246676" cy="830997"/>
+          </a:xfrm>
+          <a:prstGeom prst="rect">
+            <a:avLst/>
+          </a:prstGeom>
+          <a:noFill/>
+        </p:spPr>
+        <p:txBody>
+          <a:bodyPr wrap="none" lIns="91440" tIns="45720" rIns="91440" bIns="45720">
+            <a:spAutoFit/>
+          </a:bodyPr>
+          <a:lstStyle/>
+          <a:p>
+            <a:pPr marL="685800" indent="-685800" algn="ctr">
+              <a:buFont typeface="Wingdings" panose="05000000000000000000" pitchFamily="2" charset="2"/>
+              <a:buChar char="u"/>
+            </a:pPr>
+            <a:r>
+              <a:rPr lang="en-US" altLang="ko-KR" sz="4800" b="1" dirty="0" smtClean="0">
+                <a:ln w="18415" cmpd="sng">
+                  <a:solidFill>
+                    <a:srgbClr val="FFFFFF"/>
+                  </a:solidFill>
+                  <a:prstDash val="solid"/>
+                </a:ln>
+                <a:solidFill>
+                  <a:srgbClr val="FFFFFF"/>
+                </a:solidFill>
+                <a:effectLst>
+                  <a:outerShdw blurRad="63500" dir="3600000" algn="tl" rotWithShape="0">
+                    <a:srgbClr val="000000">
+                      <a:alpha val="70000"/>
+                    </a:srgbClr>
+                  </a:outerShdw>
+                </a:effectLst>
+              </a:rPr>
+              <a:t> APP Demo</a:t>
+            </a:r>
+            <a:endParaRPr lang="en-US" altLang="ko-KR" sz="4800" b="1" cap="none" spc="0" dirty="0">
+              <a:ln w="18415" cmpd="sng">
+                <a:solidFill>
+                  <a:srgbClr val="FFFFFF"/>
+                </a:solidFill>
+                <a:prstDash val="solid"/>
+              </a:ln>
+              <a:solidFill>
+                <a:srgbClr val="FFFFFF"/>
+              </a:solidFill>
+              <a:effectLst>
+                <a:outerShdw blurRad="63500" dir="3600000" algn="tl" rotWithShape="0">
+                  <a:srgbClr val="000000">
+                    <a:alpha val="70000"/>
+                  </a:srgbClr>
+                </a:outerShdw>
+              </a:effectLst>
+            </a:endParaRPr>
+          </a:p>
+        </p:txBody>
+      </p:sp>
+      <p:pic>
+        <p:nvPicPr>
+          <p:cNvPr id="9" name="Picture 14" descr="C:\Users\omop\Desktop\새 폴더\Screenshot_2016-08-25-10-42-51.png"/>
+          <p:cNvPicPr>
+            <a:picLocks noChangeAspect="1" noChangeArrowheads="1"/>
+          </p:cNvPicPr>
+          <p:nvPr/>
+        </p:nvPicPr>
+        <p:blipFill rotWithShape="1">
+          <a:blip r:embed="rId5" cstate="print">
+            <a:extLst>
+              <a:ext uri="{28A0092B-C50C-407E-A947-70E740481C1C}">
+                <a14:useLocalDpi xmlns:a14="http://schemas.microsoft.com/office/drawing/2010/main" val="0"/>
+              </a:ext>
+            </a:extLst>
+          </a:blip>
+          <a:srcRect t="4883" r="2898" b="4465"/>
+          <a:stretch/>
+        </p:blipFill>
+        <p:spPr bwMode="auto">
+          <a:xfrm>
+            <a:off x="672034" y="1988839"/>
+            <a:ext cx="2528366" cy="4196301"/>
+          </a:xfrm>
+          <a:prstGeom prst="rect">
+            <a:avLst/>
+          </a:prstGeom>
+          <a:noFill/>
+          <a:extLst>
+            <a:ext uri="{909E8E84-426E-40DD-AFC4-6F175D3DCCD1}">
+              <a14:hiddenFill xmlns:a14="http://schemas.microsoft.com/office/drawing/2010/main">
+                <a:solidFill>
+                  <a:srgbClr val="FFFFFF"/>
+                </a:solidFill>
+              </a14:hiddenFill>
+            </a:ext>
+          </a:extLst>
+        </p:spPr>
+      </p:pic>
+      <p:pic>
+        <p:nvPicPr>
+          <p:cNvPr id="11" name="Picture 10" descr="C:\Users\omop\Desktop\새 폴더\Screenshot_2016-08-25-10-44-02.png"/>
+          <p:cNvPicPr>
+            <a:picLocks noChangeAspect="1" noChangeArrowheads="1"/>
+          </p:cNvPicPr>
+          <p:nvPr/>
+        </p:nvPicPr>
+        <p:blipFill rotWithShape="1">
+          <a:blip r:embed="rId6" cstate="print">
+            <a:extLst>
+              <a:ext uri="{28A0092B-C50C-407E-A947-70E740481C1C}">
+                <a14:useLocalDpi xmlns:a14="http://schemas.microsoft.com/office/drawing/2010/main" val="0"/>
+              </a:ext>
+            </a:extLst>
+          </a:blip>
+          <a:srcRect t="4421"/>
+          <a:stretch/>
+        </p:blipFill>
+        <p:spPr bwMode="auto">
+          <a:xfrm>
+            <a:off x="672034" y="1966546"/>
+            <a:ext cx="2513414" cy="4270766"/>
+          </a:xfrm>
+          <a:prstGeom prst="rect">
+            <a:avLst/>
+          </a:prstGeom>
+          <a:noFill/>
+          <a:extLst>
+            <a:ext uri="{909E8E84-426E-40DD-AFC4-6F175D3DCCD1}">
+              <a14:hiddenFill xmlns:a14="http://schemas.microsoft.com/office/drawing/2010/main">
+                <a:solidFill>
+                  <a:srgbClr val="FFFFFF"/>
+                </a:solidFill>
+              </a14:hiddenFill>
+            </a:ext>
+          </a:extLst>
+        </p:spPr>
+      </p:pic>
+      <p:pic>
+        <p:nvPicPr>
+          <p:cNvPr id="12" name="Picture 9" descr="C:\Users\omop\Desktop\새 폴더\Screenshot_2016-08-25-10-43-57.png"/>
+          <p:cNvPicPr>
+            <a:picLocks noChangeAspect="1" noChangeArrowheads="1"/>
+          </p:cNvPicPr>
+          <p:nvPr/>
+        </p:nvPicPr>
+        <p:blipFill rotWithShape="1">
+          <a:blip r:embed="rId7" cstate="print">
+            <a:extLst>
+              <a:ext uri="{28A0092B-C50C-407E-A947-70E740481C1C}">
+                <a14:useLocalDpi xmlns:a14="http://schemas.microsoft.com/office/drawing/2010/main" val="0"/>
+              </a:ext>
+            </a:extLst>
+          </a:blip>
+          <a:srcRect t="3957"/>
+          <a:stretch/>
+        </p:blipFill>
+        <p:spPr bwMode="auto">
+          <a:xfrm>
+            <a:off x="672033" y="1962939"/>
+            <a:ext cx="2528367" cy="4316993"/>
+          </a:xfrm>
+          <a:prstGeom prst="rect">
+            <a:avLst/>
+          </a:prstGeom>
+          <a:noFill/>
+          <a:extLst>
+            <a:ext uri="{909E8E84-426E-40DD-AFC4-6F175D3DCCD1}">
+              <a14:hiddenFill xmlns:a14="http://schemas.microsoft.com/office/drawing/2010/main">
+                <a:solidFill>
+                  <a:srgbClr val="FFFFFF"/>
+                </a:solidFill>
+              </a14:hiddenFill>
+            </a:ext>
+          </a:extLst>
+        </p:spPr>
+      </p:pic>
+      <p:sp>
+        <p:nvSpPr>
+          <p:cNvPr id="14" name="TextBox 13"/>
+          <p:cNvSpPr txBox="1"/>
+          <p:nvPr/>
+        </p:nvSpPr>
+        <p:spPr>
+          <a:xfrm>
+            <a:off x="3779912" y="1527175"/>
+            <a:ext cx="4608512" cy="523220"/>
+          </a:xfrm>
+          <a:prstGeom prst="rect">
+            <a:avLst/>
+          </a:prstGeom>
+          <a:noFill/>
+        </p:spPr>
+        <p:txBody>
+          <a:bodyPr wrap="square" rtlCol="0">
+            <a:spAutoFit/>
+          </a:bodyPr>
+          <a:lstStyle/>
+          <a:p>
+            <a:pPr marL="342900" indent="-342900">
+              <a:buFont typeface="Wingdings" panose="05000000000000000000" pitchFamily="2" charset="2"/>
+              <a:buChar char="ü"/>
+            </a:pPr>
+            <a:r>
+              <a:rPr lang="en-US" altLang="ko-KR" sz="2800" dirty="0" smtClean="0"/>
+              <a:t>Education-Information</a:t>
+            </a:r>
+            <a:endParaRPr lang="ko-KR" altLang="en-US" sz="2800" dirty="0"/>
+          </a:p>
+        </p:txBody>
+      </p:sp>
+      <p:sp>
+        <p:nvSpPr>
+          <p:cNvPr id="15" name="TextBox 14"/>
+          <p:cNvSpPr txBox="1"/>
+          <p:nvPr/>
+        </p:nvSpPr>
+        <p:spPr>
+          <a:xfrm>
+            <a:off x="3791446" y="2132856"/>
+            <a:ext cx="5245050" cy="1938992"/>
+          </a:xfrm>
+          <a:prstGeom prst="rect">
+            <a:avLst/>
+          </a:prstGeom>
+          <a:noFill/>
+        </p:spPr>
+        <p:txBody>
+          <a:bodyPr wrap="square" rtlCol="0">
+            <a:spAutoFit/>
+          </a:bodyPr>
+          <a:lstStyle/>
+          <a:p>
+            <a:pPr marL="342900" indent="-342900">
+              <a:buFont typeface="Arial" panose="020B0604020202020204" pitchFamily="34" charset="0"/>
+              <a:buChar char="•"/>
+            </a:pPr>
+            <a:r>
+              <a:rPr lang="ko-KR" altLang="en-US" sz="2000" dirty="0" smtClean="0"/>
+              <a:t>페루 정부에서 받아온 교육자료 </a:t>
+            </a:r>
+            <a:r>
+              <a:rPr lang="en-US" altLang="ko-KR" sz="2000" dirty="0" smtClean="0"/>
+              <a:t>web view</a:t>
+            </a:r>
+            <a:r>
+              <a:rPr lang="ko-KR" altLang="en-US" sz="2000" dirty="0" smtClean="0"/>
+              <a:t>로 구현</a:t>
+            </a:r>
+            <a:r>
+              <a:rPr lang="en-US" altLang="ko-KR" sz="2000" dirty="0" smtClean="0"/>
+              <a:t>.</a:t>
+            </a:r>
+          </a:p>
+          <a:p>
+            <a:pPr marL="342900" indent="-342900">
+              <a:buFont typeface="Arial" panose="020B0604020202020204" pitchFamily="34" charset="0"/>
+              <a:buChar char="•"/>
+            </a:pPr>
+            <a:r>
+              <a:rPr lang="ko-KR" altLang="en-US" sz="2000" dirty="0" smtClean="0"/>
+              <a:t>임신 주기 별로 </a:t>
+            </a:r>
+            <a:r>
+              <a:rPr lang="en-US" altLang="ko-KR" sz="2000" dirty="0" smtClean="0"/>
+              <a:t>1~10</a:t>
+            </a:r>
+            <a:r>
+              <a:rPr lang="ko-KR" altLang="en-US" sz="2000" dirty="0" smtClean="0"/>
+              <a:t>개월 단위로 나누어서 보여줌</a:t>
+            </a:r>
+            <a:endParaRPr lang="en-US" altLang="ko-KR" sz="2000" dirty="0"/>
+          </a:p>
+          <a:p>
+            <a:pPr marL="342900" indent="-342900">
+              <a:buFont typeface="Arial" panose="020B0604020202020204" pitchFamily="34" charset="0"/>
+              <a:buChar char="•"/>
+            </a:pPr>
+            <a:r>
+              <a:rPr lang="en-US" altLang="ko-KR" sz="2000" dirty="0" smtClean="0"/>
+              <a:t>Html </a:t>
+            </a:r>
+            <a:r>
+              <a:rPr lang="ko-KR" altLang="en-US" sz="2000" dirty="0" smtClean="0"/>
+              <a:t>파일 하나로 필요한 주기에 맞는 자료 위치로 스크롤을 이동</a:t>
+            </a:r>
+            <a:r>
+              <a:rPr lang="en-US" altLang="ko-KR" sz="2000" dirty="0" smtClean="0"/>
+              <a:t>.</a:t>
+            </a:r>
+            <a:endParaRPr lang="ko-KR" altLang="en-US" sz="2000" dirty="0"/>
+          </a:p>
+        </p:txBody>
+      </p:sp>
+      <p:sp>
+        <p:nvSpPr>
+          <p:cNvPr id="3" name="AutoShape 2" descr="https://mail.naver.com/read/image/?mailSN=23116&amp;attachIndex=2&amp;contentType=image/png&amp;offset=1560&amp;size=353644&amp;mimeSN=1472102553.330275.11499.341774&amp;org=1&amp;u=hansol_94"/>
+          <p:cNvSpPr>
+            <a:spLocks noChangeAspect="1" noChangeArrowheads="1"/>
+          </p:cNvSpPr>
+          <p:nvPr/>
+        </p:nvSpPr>
+        <p:spPr bwMode="auto">
+          <a:xfrm>
+            <a:off x="76200" y="-136525"/>
+            <a:ext cx="5029200" cy="8943975"/>
+          </a:xfrm>
+          <a:prstGeom prst="rect">
+            <a:avLst/>
+          </a:prstGeom>
+          <a:noFill/>
+          <a:extLst>
+            <a:ext uri="{909E8E84-426E-40DD-AFC4-6F175D3DCCD1}">
+              <a14:hiddenFill xmlns:a14="http://schemas.microsoft.com/office/drawing/2010/main">
+                <a:solidFill>
+                  <a:srgbClr val="FFFFFF"/>
+                </a:solidFill>
+              </a14:hiddenFill>
+            </a:ext>
+          </a:extLst>
+        </p:spPr>
+        <p:txBody>
+          <a:bodyPr vert="horz" wrap="square" lIns="91440" tIns="45720" rIns="91440" bIns="45720" numCol="1" anchor="t" anchorCtr="0" compatLnSpc="1">
+            <a:prstTxWarp prst="textNoShape">
+              <a:avLst/>
+            </a:prstTxWarp>
+          </a:bodyPr>
+          <a:lstStyle/>
+          <a:p>
+            <a:endParaRPr lang="ko-KR" altLang="en-US"/>
+          </a:p>
+        </p:txBody>
+      </p:sp>
+      <p:sp>
+        <p:nvSpPr>
+          <p:cNvPr id="4" name="AutoShape 4" descr="https://mail.naver.com/read/image/?mailSN=23116&amp;attachIndex=2&amp;contentType=image/png&amp;offset=1560&amp;size=353644&amp;mimeSN=1472102553.330275.11499.341774&amp;org=1&amp;u=hansol_94"/>
+          <p:cNvSpPr>
+            <a:spLocks noChangeAspect="1" noChangeArrowheads="1"/>
+          </p:cNvSpPr>
+          <p:nvPr/>
+        </p:nvSpPr>
+        <p:spPr bwMode="auto">
+          <a:xfrm>
+            <a:off x="228600" y="15875"/>
+            <a:ext cx="5029200" cy="8943975"/>
+          </a:xfrm>
+          <a:prstGeom prst="rect">
+            <a:avLst/>
+          </a:prstGeom>
+          <a:noFill/>
+          <a:extLst>
+            <a:ext uri="{909E8E84-426E-40DD-AFC4-6F175D3DCCD1}">
+              <a14:hiddenFill xmlns:a14="http://schemas.microsoft.com/office/drawing/2010/main">
+                <a:solidFill>
+                  <a:srgbClr val="FFFFFF"/>
+                </a:solidFill>
+              </a14:hiddenFill>
+            </a:ext>
+          </a:extLst>
+        </p:spPr>
+        <p:txBody>
+          <a:bodyPr vert="horz" wrap="square" lIns="91440" tIns="45720" rIns="91440" bIns="45720" numCol="1" anchor="t" anchorCtr="0" compatLnSpc="1">
+            <a:prstTxWarp prst="textNoShape">
+              <a:avLst/>
+            </a:prstTxWarp>
+          </a:bodyPr>
+          <a:lstStyle/>
+          <a:p>
+            <a:endParaRPr lang="ko-KR" altLang="en-US"/>
+          </a:p>
+        </p:txBody>
+      </p:sp>
+      <p:sp>
+        <p:nvSpPr>
+          <p:cNvPr id="5" name="AutoShape 6" descr="https://mail.naver.com/read/image/?mailSN=23116&amp;attachIndex=2&amp;contentType=image/png&amp;offset=1560&amp;size=353644&amp;mimeSN=1472102553.330275.11499.341774&amp;org=1&amp;u=hansol_94"/>
+          <p:cNvSpPr>
+            <a:spLocks noChangeAspect="1" noChangeArrowheads="1"/>
+          </p:cNvSpPr>
+          <p:nvPr/>
+        </p:nvSpPr>
+        <p:spPr bwMode="auto">
+          <a:xfrm>
+            <a:off x="381000" y="168275"/>
+            <a:ext cx="5029200" cy="8943975"/>
+          </a:xfrm>
+          <a:prstGeom prst="rect">
+            <a:avLst/>
+          </a:prstGeom>
+          <a:noFill/>
+          <a:extLst>
+            <a:ext uri="{909E8E84-426E-40DD-AFC4-6F175D3DCCD1}">
+              <a14:hiddenFill xmlns:a14="http://schemas.microsoft.com/office/drawing/2010/main">
+                <a:solidFill>
+                  <a:srgbClr val="FFFFFF"/>
+                </a:solidFill>
+              </a14:hiddenFill>
+            </a:ext>
+          </a:extLst>
+        </p:spPr>
+        <p:txBody>
+          <a:bodyPr vert="horz" wrap="square" lIns="91440" tIns="45720" rIns="91440" bIns="45720" numCol="1" anchor="t" anchorCtr="0" compatLnSpc="1">
+            <a:prstTxWarp prst="textNoShape">
+              <a:avLst/>
+            </a:prstTxWarp>
+          </a:bodyPr>
+          <a:lstStyle/>
+          <a:p>
+            <a:endParaRPr lang="ko-KR" altLang="en-US"/>
+          </a:p>
+        </p:txBody>
+      </p:sp>
+      <p:pic>
+        <p:nvPicPr>
+          <p:cNvPr id="2055" name="Picture 7"/>
+          <p:cNvPicPr>
+            <a:picLocks noChangeAspect="1" noChangeArrowheads="1"/>
+          </p:cNvPicPr>
+          <p:nvPr/>
+        </p:nvPicPr>
+        <p:blipFill>
+          <a:blip r:embed="rId8">
+            <a:extLst>
+              <a:ext uri="{28A0092B-C50C-407E-A947-70E740481C1C}">
+                <a14:useLocalDpi xmlns:a14="http://schemas.microsoft.com/office/drawing/2010/main" val="0"/>
+              </a:ext>
+            </a:extLst>
+          </a:blip>
+          <a:srcRect/>
+          <a:stretch>
+            <a:fillRect/>
+          </a:stretch>
+        </p:blipFill>
+        <p:spPr bwMode="auto">
+          <a:xfrm>
+            <a:off x="672033" y="1949223"/>
+            <a:ext cx="2521625" cy="4330709"/>
+          </a:xfrm>
+          <a:prstGeom prst="rect">
+            <a:avLst/>
+          </a:prstGeom>
+          <a:noFill/>
+          <a:ln>
+            <a:noFill/>
+          </a:ln>
+          <a:extLst>
+            <a:ext uri="{909E8E84-426E-40DD-AFC4-6F175D3DCCD1}">
+              <a14:hiddenFill xmlns:a14="http://schemas.microsoft.com/office/drawing/2010/main">
+                <a:solidFill>
+                  <a:schemeClr val="accent1"/>
+                </a:solidFill>
+              </a14:hiddenFill>
+            </a:ext>
+            <a:ext uri="{91240B29-F687-4F45-9708-019B960494DF}">
+              <a14:hiddenLine xmlns:a14="http://schemas.microsoft.com/office/drawing/2010/main" w="9525">
+                <a:solidFill>
+                  <a:schemeClr val="tx1"/>
+                </a:solidFill>
+                <a:miter lim="800000"/>
+                <a:headEnd/>
+                <a:tailEnd/>
+              </a14:hiddenLine>
+            </a:ext>
+          </a:extLst>
+        </p:spPr>
+      </p:pic>
+    </p:spTree>
+    <p:extLst>
+      <p:ext uri="{BB962C8B-B14F-4D97-AF65-F5344CB8AC3E}">
+        <p14:creationId xmlns:p14="http://schemas.microsoft.com/office/powerpoint/2010/main" val="3203512702"/>
+      </p:ext>
+    </p:extLst>
+  </p:cSld>
+  <p:clrMapOvr>
+    <a:masterClrMapping/>
+  </p:clrMapOvr>
+</p:sld>
+</file>
+
+<file path=ppt/slides/slide17.xml><?xml version="1.0" encoding="utf-8"?>
+<p:sld xmlns:a="http://schemas.openxmlformats.org/drawingml/2006/main" xmlns:r="http://schemas.openxmlformats.org/officeDocument/2006/relationships" xmlns:p="http://schemas.openxmlformats.org/presentationml/2006/main">
+  <p:cSld>
+    <p:spTree>
+      <p:nvGrpSpPr>
+        <p:cNvPr id="1" name=""/>
+        <p:cNvGrpSpPr/>
+        <p:nvPr/>
+      </p:nvGrpSpPr>
+      <p:grpSpPr>
+        <a:xfrm>
+          <a:off x="0" y="0"/>
+          <a:ext cx="0" cy="0"/>
+          <a:chOff x="0" y="0"/>
+          <a:chExt cx="0" cy="0"/>
+        </a:xfrm>
+      </p:grpSpPr>
+      <p:pic>
+        <p:nvPicPr>
+          <p:cNvPr id="7" name="Picture 2" descr="http://cfile25.uf.tistory.com/image/263B694453C4ABB40F5B99">
+            <a:hlinkClick r:id="rId2"/>
+          </p:cNvPr>
+          <p:cNvPicPr>
+            <a:picLocks noChangeAspect="1" noChangeArrowheads="1"/>
+          </p:cNvPicPr>
+          <p:nvPr/>
+        </p:nvPicPr>
+        <p:blipFill rotWithShape="1">
+          <a:blip r:embed="rId3">
+            <a:extLst>
+              <a:ext uri="{BEBA8EAE-BF5A-486C-A8C5-ECC9F3942E4B}">
+                <a14:imgProps xmlns:a14="http://schemas.microsoft.com/office/drawing/2010/main">
+                  <a14:imgLayer r:embed="rId4">
+                    <a14:imgEffect>
+                      <a14:backgroundRemoval t="0" b="100000" l="9773" r="89802"/>
+                    </a14:imgEffect>
+                  </a14:imgLayer>
+                </a14:imgProps>
+              </a:ext>
+              <a:ext uri="{28A0092B-C50C-407E-A947-70E740481C1C}">
+                <a14:useLocalDpi xmlns:a14="http://schemas.microsoft.com/office/drawing/2010/main" val="0"/>
+              </a:ext>
+            </a:extLst>
+          </a:blip>
+          <a:srcRect l="29474" r="32299"/>
+          <a:stretch/>
+        </p:blipFill>
+        <p:spPr bwMode="auto">
+          <a:xfrm>
+            <a:off x="395538" y="1268760"/>
+            <a:ext cx="3096342" cy="5621644"/>
+          </a:xfrm>
+          <a:prstGeom prst="rect">
+            <a:avLst/>
+          </a:prstGeom>
+          <a:noFill/>
+          <a:extLst>
+            <a:ext uri="{909E8E84-426E-40DD-AFC4-6F175D3DCCD1}">
+              <a14:hiddenFill xmlns:a14="http://schemas.microsoft.com/office/drawing/2010/main">
+                <a:solidFill>
+                  <a:srgbClr val="FFFFFF"/>
+                </a:solidFill>
+              </a14:hiddenFill>
+            </a:ext>
+          </a:extLst>
+        </p:spPr>
+      </p:pic>
+      <p:sp>
+        <p:nvSpPr>
+          <p:cNvPr id="2" name="직사각형 1"/>
+          <p:cNvSpPr/>
+          <p:nvPr/>
+        </p:nvSpPr>
+        <p:spPr>
+          <a:xfrm>
+            <a:off x="351138" y="404664"/>
+            <a:ext cx="8280920" cy="859819"/>
+          </a:xfrm>
+          <a:prstGeom prst="rect">
+            <a:avLst/>
+          </a:prstGeom>
+          <a:solidFill>
+            <a:srgbClr val="045953"/>
+          </a:solidFill>
+        </p:spPr>
+        <p:style>
+          <a:lnRef idx="2">
+            <a:schemeClr val="accent1">
+              <a:shade val="50000"/>
+            </a:schemeClr>
+          </a:lnRef>
+          <a:fillRef idx="1">
+            <a:schemeClr val="accent1"/>
+          </a:fillRef>
+          <a:effectRef idx="0">
+            <a:schemeClr val="accent1"/>
+          </a:effectRef>
+          <a:fontRef idx="minor">
+            <a:schemeClr val="lt1"/>
+          </a:fontRef>
+        </p:style>
+        <p:txBody>
+          <a:bodyPr rtlCol="0" anchor="ctr"/>
+          <a:lstStyle/>
+          <a:p>
+            <a:pPr algn="ctr"/>
+            <a:endParaRPr lang="ko-KR" altLang="en-US"/>
+          </a:p>
+        </p:txBody>
+      </p:sp>
+      <p:sp>
+        <p:nvSpPr>
+          <p:cNvPr id="6" name="직사각형 5"/>
+          <p:cNvSpPr/>
+          <p:nvPr/>
+        </p:nvSpPr>
+        <p:spPr>
+          <a:xfrm>
+            <a:off x="395538" y="437763"/>
+            <a:ext cx="4246676" cy="830997"/>
+          </a:xfrm>
+          <a:prstGeom prst="rect">
+            <a:avLst/>
+          </a:prstGeom>
+          <a:noFill/>
+        </p:spPr>
+        <p:txBody>
+          <a:bodyPr wrap="none" lIns="91440" tIns="45720" rIns="91440" bIns="45720">
+            <a:spAutoFit/>
+          </a:bodyPr>
+          <a:lstStyle/>
+          <a:p>
+            <a:pPr marL="685800" indent="-685800" algn="ctr">
+              <a:buFont typeface="Wingdings" panose="05000000000000000000" pitchFamily="2" charset="2"/>
+              <a:buChar char="u"/>
+            </a:pPr>
+            <a:r>
+              <a:rPr lang="en-US" altLang="ko-KR" sz="4800" b="1" dirty="0" smtClean="0">
+                <a:ln w="18415" cmpd="sng">
+                  <a:solidFill>
+                    <a:srgbClr val="FFFFFF"/>
+                  </a:solidFill>
+                  <a:prstDash val="solid"/>
+                </a:ln>
+                <a:solidFill>
+                  <a:srgbClr val="FFFFFF"/>
+                </a:solidFill>
+                <a:effectLst>
+                  <a:outerShdw blurRad="63500" dir="3600000" algn="tl" rotWithShape="0">
+                    <a:srgbClr val="000000">
+                      <a:alpha val="70000"/>
+                    </a:srgbClr>
+                  </a:outerShdw>
+                </a:effectLst>
+              </a:rPr>
+              <a:t> APP Demo</a:t>
+            </a:r>
+            <a:endParaRPr lang="en-US" altLang="ko-KR" sz="4800" b="1" cap="none" spc="0" dirty="0">
+              <a:ln w="18415" cmpd="sng">
+                <a:solidFill>
+                  <a:srgbClr val="FFFFFF"/>
+                </a:solidFill>
+                <a:prstDash val="solid"/>
+              </a:ln>
+              <a:solidFill>
+                <a:srgbClr val="FFFFFF"/>
+              </a:solidFill>
+              <a:effectLst>
+                <a:outerShdw blurRad="63500" dir="3600000" algn="tl" rotWithShape="0">
+                  <a:srgbClr val="000000">
+                    <a:alpha val="70000"/>
+                  </a:srgbClr>
+                </a:outerShdw>
+              </a:effectLst>
+            </a:endParaRPr>
+          </a:p>
+        </p:txBody>
+      </p:sp>
+      <p:pic>
+        <p:nvPicPr>
+          <p:cNvPr id="13" name="Picture 12" descr="C:\Users\omop\Desktop\새 폴더\Screenshot_2016-08-25-10-44-19.png"/>
+          <p:cNvPicPr>
+            <a:picLocks noChangeAspect="1" noChangeArrowheads="1"/>
+          </p:cNvPicPr>
+          <p:nvPr/>
+        </p:nvPicPr>
+        <p:blipFill rotWithShape="1">
+          <a:blip r:embed="rId5" cstate="print">
+            <a:extLst>
+              <a:ext uri="{28A0092B-C50C-407E-A947-70E740481C1C}">
+                <a14:useLocalDpi xmlns:a14="http://schemas.microsoft.com/office/drawing/2010/main" val="0"/>
+              </a:ext>
+            </a:extLst>
+          </a:blip>
+          <a:srcRect t="4573"/>
+          <a:stretch/>
+        </p:blipFill>
+        <p:spPr bwMode="auto">
+          <a:xfrm>
+            <a:off x="683568" y="1988840"/>
+            <a:ext cx="2520280" cy="4275604"/>
+          </a:xfrm>
+          <a:prstGeom prst="rect">
+            <a:avLst/>
+          </a:prstGeom>
+          <a:noFill/>
+          <a:extLst>
+            <a:ext uri="{909E8E84-426E-40DD-AFC4-6F175D3DCCD1}">
+              <a14:hiddenFill xmlns:a14="http://schemas.microsoft.com/office/drawing/2010/main">
+                <a:solidFill>
+                  <a:srgbClr val="FFFFFF"/>
+                </a:solidFill>
+              </a14:hiddenFill>
+            </a:ext>
+          </a:extLst>
+        </p:spPr>
+      </p:pic>
+      <p:sp>
+        <p:nvSpPr>
+          <p:cNvPr id="14" name="TextBox 13"/>
+          <p:cNvSpPr txBox="1"/>
+          <p:nvPr/>
+        </p:nvSpPr>
+        <p:spPr>
+          <a:xfrm>
+            <a:off x="3779912" y="1527175"/>
+            <a:ext cx="4608512" cy="523220"/>
+          </a:xfrm>
+          <a:prstGeom prst="rect">
+            <a:avLst/>
+          </a:prstGeom>
+          <a:noFill/>
+        </p:spPr>
+        <p:txBody>
+          <a:bodyPr wrap="square" rtlCol="0">
+            <a:spAutoFit/>
+          </a:bodyPr>
+          <a:lstStyle/>
+          <a:p>
+            <a:pPr marL="342900" indent="-342900">
+              <a:buFont typeface="Wingdings" panose="05000000000000000000" pitchFamily="2" charset="2"/>
+              <a:buChar char="ü"/>
+            </a:pPr>
+            <a:r>
+              <a:rPr lang="en-US" altLang="ko-KR" sz="2800" dirty="0" smtClean="0"/>
+              <a:t>My Information</a:t>
+            </a:r>
+            <a:endParaRPr lang="ko-KR" altLang="en-US" sz="2800" dirty="0"/>
+          </a:p>
+        </p:txBody>
+      </p:sp>
+      <p:sp>
+        <p:nvSpPr>
+          <p:cNvPr id="8" name="TextBox 7"/>
+          <p:cNvSpPr txBox="1"/>
+          <p:nvPr/>
+        </p:nvSpPr>
+        <p:spPr>
+          <a:xfrm>
+            <a:off x="3779912" y="2204864"/>
+            <a:ext cx="4957018" cy="1631216"/>
+          </a:xfrm>
+          <a:prstGeom prst="rect">
+            <a:avLst/>
+          </a:prstGeom>
+          <a:noFill/>
+        </p:spPr>
+        <p:txBody>
+          <a:bodyPr wrap="square" rtlCol="0">
+            <a:spAutoFit/>
+          </a:bodyPr>
+          <a:lstStyle/>
+          <a:p>
+            <a:pPr marL="342900" indent="-342900">
+              <a:buFont typeface="Arial" panose="020B0604020202020204" pitchFamily="34" charset="0"/>
+              <a:buChar char="•"/>
+            </a:pPr>
+            <a:r>
+              <a:rPr lang="ko-KR" altLang="en-US" sz="2000" dirty="0" smtClean="0"/>
+              <a:t>비밀번호 변경</a:t>
+            </a:r>
+            <a:endParaRPr lang="en-US" altLang="ko-KR" sz="2000" dirty="0" smtClean="0"/>
+          </a:p>
+          <a:p>
+            <a:pPr marL="342900" indent="-342900">
+              <a:buFont typeface="Arial" panose="020B0604020202020204" pitchFamily="34" charset="0"/>
+              <a:buChar char="•"/>
+            </a:pPr>
+            <a:endParaRPr lang="en-US" altLang="ko-KR" sz="2000" dirty="0" smtClean="0"/>
+          </a:p>
+          <a:p>
+            <a:pPr marL="342900" indent="-342900">
+              <a:buFont typeface="Arial" panose="020B0604020202020204" pitchFamily="34" charset="0"/>
+              <a:buChar char="•"/>
+            </a:pPr>
+            <a:r>
+              <a:rPr lang="ko-KR" altLang="en-US" sz="2000" dirty="0" smtClean="0"/>
+              <a:t>로그아웃 </a:t>
+            </a:r>
+            <a:r>
+              <a:rPr lang="en-US" altLang="ko-KR" sz="2000" dirty="0" smtClean="0"/>
+              <a:t>-&gt; </a:t>
+            </a:r>
+            <a:r>
+              <a:rPr lang="ko-KR" altLang="en-US" sz="2000" dirty="0" smtClean="0"/>
+              <a:t>로그아웃을 하지 않고 </a:t>
+            </a:r>
+            <a:r>
+              <a:rPr lang="en-US" altLang="ko-KR" sz="2000" dirty="0" smtClean="0"/>
+              <a:t>app </a:t>
+            </a:r>
+            <a:r>
+              <a:rPr lang="ko-KR" altLang="en-US" sz="2000" dirty="0" smtClean="0"/>
+              <a:t>종료 시 로그인 과정을 거치지 않고 </a:t>
+            </a:r>
+            <a:r>
+              <a:rPr lang="en-US" altLang="ko-KR" sz="2000" dirty="0" smtClean="0"/>
+              <a:t>app </a:t>
+            </a:r>
+            <a:r>
+              <a:rPr lang="ko-KR" altLang="en-US" sz="2000" dirty="0" smtClean="0"/>
+              <a:t>실행</a:t>
+            </a:r>
+            <a:endParaRPr lang="ko-KR" altLang="en-US" sz="2000" dirty="0"/>
+          </a:p>
+        </p:txBody>
+      </p:sp>
+    </p:spTree>
+    <p:extLst>
+      <p:ext uri="{BB962C8B-B14F-4D97-AF65-F5344CB8AC3E}">
+        <p14:creationId xmlns:p14="http://schemas.microsoft.com/office/powerpoint/2010/main" val="2917102149"/>
+      </p:ext>
+    </p:extLst>
+  </p:cSld>
+  <p:clrMapOvr>
+    <a:masterClrMapping/>
+  </p:clrMapOvr>
+</p:sld>
+</file>
+
+<file path=ppt/slides/slide18.xml><?xml version="1.0" encoding="utf-8"?>
+<p:sld xmlns:a="http://schemas.openxmlformats.org/drawingml/2006/main" xmlns:r="http://schemas.openxmlformats.org/officeDocument/2006/relationships" xmlns:p="http://schemas.openxmlformats.org/presentationml/2006/main">
+  <p:cSld>
+    <p:bg>
+      <p:bgPr>
+        <a:solidFill>
+          <a:srgbClr val="045953"/>
+        </a:solidFill>
+        <a:effectLst/>
+      </p:bgPr>
+    </p:bg>
+    <p:spTree>
+      <p:nvGrpSpPr>
+        <p:cNvPr id="1" name=""/>
+        <p:cNvGrpSpPr/>
+        <p:nvPr/>
+      </p:nvGrpSpPr>
+      <p:grpSpPr>
+        <a:xfrm>
+          <a:off x="0" y="0"/>
+          <a:ext cx="0" cy="0"/>
+          <a:chOff x="0" y="0"/>
+          <a:chExt cx="0" cy="0"/>
+        </a:xfrm>
+      </p:grpSpPr>
+      <p:sp>
+        <p:nvSpPr>
+          <p:cNvPr id="6" name="직사각형 5"/>
+          <p:cNvSpPr/>
+          <p:nvPr/>
+        </p:nvSpPr>
+        <p:spPr>
+          <a:xfrm>
+            <a:off x="1760031" y="2636912"/>
+            <a:ext cx="5646290" cy="1323439"/>
+          </a:xfrm>
+          <a:prstGeom prst="rect">
+            <a:avLst/>
+          </a:prstGeom>
+          <a:noFill/>
+        </p:spPr>
+        <p:txBody>
+          <a:bodyPr wrap="none" lIns="91440" tIns="45720" rIns="91440" bIns="45720">
+            <a:spAutoFit/>
+          </a:bodyPr>
+          <a:lstStyle/>
+          <a:p>
+            <a:pPr algn="ctr"/>
+            <a:r>
+              <a:rPr lang="en-US" altLang="ko-KR" sz="8000" b="1" dirty="0" smtClean="0">
+                <a:ln w="18415" cmpd="sng">
+                  <a:solidFill>
+                    <a:srgbClr val="FFFFFF"/>
+                  </a:solidFill>
+                  <a:prstDash val="solid"/>
+                </a:ln>
+                <a:solidFill>
+                  <a:srgbClr val="FFFFFF"/>
+                </a:solidFill>
+                <a:effectLst>
+                  <a:outerShdw blurRad="63500" dir="3600000" algn="tl" rotWithShape="0">
+                    <a:srgbClr val="000000">
+                      <a:alpha val="70000"/>
+                    </a:srgbClr>
+                  </a:outerShdw>
+                </a:effectLst>
+              </a:rPr>
+              <a:t>Thank you!</a:t>
+            </a:r>
+            <a:endParaRPr lang="en-US" altLang="ko-KR" sz="8000" b="1" cap="none" spc="0" dirty="0">
+              <a:ln w="18415" cmpd="sng">
+                <a:solidFill>
+                  <a:srgbClr val="FFFFFF"/>
+                </a:solidFill>
+                <a:prstDash val="solid"/>
+              </a:ln>
+              <a:solidFill>
+                <a:srgbClr val="FFFFFF"/>
+              </a:solidFill>
+              <a:effectLst>
+                <a:outerShdw blurRad="63500" dir="3600000" algn="tl" rotWithShape="0">
+                  <a:srgbClr val="000000">
+                    <a:alpha val="70000"/>
+                  </a:srgbClr>
+                </a:outerShdw>
+              </a:effectLst>
+            </a:endParaRPr>
+          </a:p>
+        </p:txBody>
+      </p:sp>
+    </p:spTree>
+    <p:extLst>
+      <p:ext uri="{BB962C8B-B14F-4D97-AF65-F5344CB8AC3E}">
+        <p14:creationId xmlns:p14="http://schemas.microsoft.com/office/powerpoint/2010/main" val="1498239822"/>
+      </p:ext>
+    </p:extLst>
+  </p:cSld>
+  <p:clrMapOvr>
+    <a:masterClrMapping/>
+  </p:clrMapOvr>
+</p:sld>
+</file>
+
 <file path=ppt/slides/slide2.xml><?xml version="1.0" encoding="utf-8"?>
 <p:sld xmlns:a="http://schemas.openxmlformats.org/drawingml/2006/main" xmlns:r="http://schemas.openxmlformats.org/officeDocument/2006/relationships" xmlns:p="http://schemas.openxmlformats.org/presentationml/2006/main">
   <p:cSld>
@@ -4928,227 +7931,6 @@
                 <a:t>PHR App</a:t>
               </a:r>
               <a:endParaRPr lang="ko-KR" altLang="en-US" sz="1200" b="1" dirty="0">
-                <a:latin typeface="돋움체" panose="020B0609000101010101" pitchFamily="49" charset="-127"/>
-                <a:ea typeface="돋움체" panose="020B0609000101010101" pitchFamily="49" charset="-127"/>
-              </a:endParaRPr>
-            </a:p>
-          </p:txBody>
-        </p:sp>
-        <p:sp>
-          <p:nvSpPr>
-            <p:cNvPr id="14" name="TextBox 86"/>
-            <p:cNvSpPr txBox="1"/>
-            <p:nvPr/>
-          </p:nvSpPr>
-          <p:spPr>
-            <a:xfrm>
-              <a:off x="3195236" y="4460651"/>
-              <a:ext cx="2341576" cy="830997"/>
-            </a:xfrm>
-            <a:prstGeom prst="rect">
-              <a:avLst/>
-            </a:prstGeom>
-            <a:noFill/>
-          </p:spPr>
-          <p:txBody>
-            <a:bodyPr wrap="square" rtlCol="0">
-              <a:spAutoFit/>
-            </a:bodyPr>
-            <a:lstStyle>
-              <a:defPPr>
-                <a:defRPr lang="ko-KR"/>
-              </a:defPPr>
-              <a:lvl1pPr marL="0" algn="l" defTabSz="914400" rtl="0" eaLnBrk="1" latinLnBrk="1" hangingPunct="1">
-                <a:defRPr sz="1800" kern="1200">
-                  <a:solidFill>
-                    <a:schemeClr val="tx1"/>
-                  </a:solidFill>
-                  <a:latin typeface="+mn-lt"/>
-                  <a:ea typeface="+mn-ea"/>
-                  <a:cs typeface="+mn-cs"/>
-                </a:defRPr>
-              </a:lvl1pPr>
-              <a:lvl2pPr marL="457200" algn="l" defTabSz="914400" rtl="0" eaLnBrk="1" latinLnBrk="1" hangingPunct="1">
-                <a:defRPr sz="1800" kern="1200">
-                  <a:solidFill>
-                    <a:schemeClr val="tx1"/>
-                  </a:solidFill>
-                  <a:latin typeface="+mn-lt"/>
-                  <a:ea typeface="+mn-ea"/>
-                  <a:cs typeface="+mn-cs"/>
-                </a:defRPr>
-              </a:lvl2pPr>
-              <a:lvl3pPr marL="914400" algn="l" defTabSz="914400" rtl="0" eaLnBrk="1" latinLnBrk="1" hangingPunct="1">
-                <a:defRPr sz="1800" kern="1200">
-                  <a:solidFill>
-                    <a:schemeClr val="tx1"/>
-                  </a:solidFill>
-                  <a:latin typeface="+mn-lt"/>
-                  <a:ea typeface="+mn-ea"/>
-                  <a:cs typeface="+mn-cs"/>
-                </a:defRPr>
-              </a:lvl3pPr>
-              <a:lvl4pPr marL="1371600" algn="l" defTabSz="914400" rtl="0" eaLnBrk="1" latinLnBrk="1" hangingPunct="1">
-                <a:defRPr sz="1800" kern="1200">
-                  <a:solidFill>
-                    <a:schemeClr val="tx1"/>
-                  </a:solidFill>
-                  <a:latin typeface="+mn-lt"/>
-                  <a:ea typeface="+mn-ea"/>
-                  <a:cs typeface="+mn-cs"/>
-                </a:defRPr>
-              </a:lvl4pPr>
-              <a:lvl5pPr marL="1828800" algn="l" defTabSz="914400" rtl="0" eaLnBrk="1" latinLnBrk="1" hangingPunct="1">
-                <a:defRPr sz="1800" kern="1200">
-                  <a:solidFill>
-                    <a:schemeClr val="tx1"/>
-                  </a:solidFill>
-                  <a:latin typeface="+mn-lt"/>
-                  <a:ea typeface="+mn-ea"/>
-                  <a:cs typeface="+mn-cs"/>
-                </a:defRPr>
-              </a:lvl5pPr>
-              <a:lvl6pPr marL="2286000" algn="l" defTabSz="914400" rtl="0" eaLnBrk="1" latinLnBrk="1" hangingPunct="1">
-                <a:defRPr sz="1800" kern="1200">
-                  <a:solidFill>
-                    <a:schemeClr val="tx1"/>
-                  </a:solidFill>
-                  <a:latin typeface="+mn-lt"/>
-                  <a:ea typeface="+mn-ea"/>
-                  <a:cs typeface="+mn-cs"/>
-                </a:defRPr>
-              </a:lvl6pPr>
-              <a:lvl7pPr marL="2743200" algn="l" defTabSz="914400" rtl="0" eaLnBrk="1" latinLnBrk="1" hangingPunct="1">
-                <a:defRPr sz="1800" kern="1200">
-                  <a:solidFill>
-                    <a:schemeClr val="tx1"/>
-                  </a:solidFill>
-                  <a:latin typeface="+mn-lt"/>
-                  <a:ea typeface="+mn-ea"/>
-                  <a:cs typeface="+mn-cs"/>
-                </a:defRPr>
-              </a:lvl7pPr>
-              <a:lvl8pPr marL="3200400" algn="l" defTabSz="914400" rtl="0" eaLnBrk="1" latinLnBrk="1" hangingPunct="1">
-                <a:defRPr sz="1800" kern="1200">
-                  <a:solidFill>
-                    <a:schemeClr val="tx1"/>
-                  </a:solidFill>
-                  <a:latin typeface="+mn-lt"/>
-                  <a:ea typeface="+mn-ea"/>
-                  <a:cs typeface="+mn-cs"/>
-                </a:defRPr>
-              </a:lvl8pPr>
-              <a:lvl9pPr marL="3657600" algn="l" defTabSz="914400" rtl="0" eaLnBrk="1" latinLnBrk="1" hangingPunct="1">
-                <a:defRPr sz="1800" kern="1200">
-                  <a:solidFill>
-                    <a:schemeClr val="tx1"/>
-                  </a:solidFill>
-                  <a:latin typeface="+mn-lt"/>
-                  <a:ea typeface="+mn-ea"/>
-                  <a:cs typeface="+mn-cs"/>
-                </a:defRPr>
-              </a:lvl9pPr>
-            </a:lstStyle>
-            <a:p>
-              <a:r>
-                <a:rPr lang="en-US" altLang="ko-KR" sz="1200" b="1" dirty="0" smtClean="0">
-                  <a:latin typeface="돋움체" panose="020B0609000101010101" pitchFamily="49" charset="-127"/>
-                  <a:ea typeface="돋움체" panose="020B0609000101010101" pitchFamily="49" charset="-127"/>
-                </a:rPr>
-                <a:t>1) PHR</a:t>
-              </a:r>
-              <a:r>
-                <a:rPr lang="ko-KR" altLang="en-US" sz="1200" b="1" dirty="0" smtClean="0">
-                  <a:latin typeface="돋움체" panose="020B0609000101010101" pitchFamily="49" charset="-127"/>
-                  <a:ea typeface="돋움체" panose="020B0609000101010101" pitchFamily="49" charset="-127"/>
-                </a:rPr>
-                <a:t>정보 자가입력</a:t>
-              </a:r>
-              <a:endParaRPr lang="en-US" altLang="ko-KR" sz="1200" b="1" dirty="0" smtClean="0">
-                <a:latin typeface="돋움체" panose="020B0609000101010101" pitchFamily="49" charset="-127"/>
-                <a:ea typeface="돋움체" panose="020B0609000101010101" pitchFamily="49" charset="-127"/>
-              </a:endParaRPr>
-            </a:p>
-            <a:p>
-              <a:r>
-                <a:rPr lang="en-US" altLang="ko-KR" sz="1200" b="1" dirty="0" smtClean="0">
-                  <a:latin typeface="돋움체" panose="020B0609000101010101" pitchFamily="49" charset="-127"/>
-                  <a:ea typeface="돋움체" panose="020B0609000101010101" pitchFamily="49" charset="-127"/>
-                </a:rPr>
-                <a:t>(</a:t>
-              </a:r>
-              <a:r>
-                <a:rPr lang="ko-KR" altLang="en-US" sz="1200" b="1" dirty="0" err="1" smtClean="0">
-                  <a:latin typeface="돋움체" panose="020B0609000101010101" pitchFamily="49" charset="-127"/>
-                  <a:ea typeface="돋움체" panose="020B0609000101010101" pitchFamily="49" charset="-127"/>
-                </a:rPr>
-                <a:t>혈액혈</a:t>
-              </a:r>
-              <a:r>
-                <a:rPr lang="en-US" altLang="ko-KR" sz="1200" b="1" dirty="0" smtClean="0">
-                  <a:latin typeface="돋움체" panose="020B0609000101010101" pitchFamily="49" charset="-127"/>
-                  <a:ea typeface="돋움체" panose="020B0609000101010101" pitchFamily="49" charset="-127"/>
-                </a:rPr>
-                <a:t>, </a:t>
-              </a:r>
-              <a:r>
-                <a:rPr lang="ko-KR" altLang="en-US" sz="1200" b="1" dirty="0" smtClean="0">
-                  <a:latin typeface="돋움체" panose="020B0609000101010101" pitchFamily="49" charset="-127"/>
-                  <a:ea typeface="돋움체" panose="020B0609000101010101" pitchFamily="49" charset="-127"/>
-                </a:rPr>
-                <a:t>약물부작용</a:t>
-              </a:r>
-              <a:r>
-                <a:rPr lang="en-US" altLang="ko-KR" sz="1200" b="1" dirty="0" smtClean="0">
-                  <a:latin typeface="돋움체" panose="020B0609000101010101" pitchFamily="49" charset="-127"/>
-                  <a:ea typeface="돋움체" panose="020B0609000101010101" pitchFamily="49" charset="-127"/>
-                </a:rPr>
-                <a:t> </a:t>
-              </a:r>
-              <a:r>
-                <a:rPr lang="ko-KR" altLang="en-US" sz="1200" b="1" dirty="0" smtClean="0">
-                  <a:latin typeface="돋움체" panose="020B0609000101010101" pitchFamily="49" charset="-127"/>
-                  <a:ea typeface="돋움체" panose="020B0609000101010101" pitchFamily="49" charset="-127"/>
-                </a:rPr>
-                <a:t>알레르기</a:t>
-              </a:r>
-              <a:r>
-                <a:rPr lang="en-US" altLang="ko-KR" sz="1200" b="1" dirty="0" smtClean="0">
-                  <a:latin typeface="돋움체" panose="020B0609000101010101" pitchFamily="49" charset="-127"/>
-                  <a:ea typeface="돋움체" panose="020B0609000101010101" pitchFamily="49" charset="-127"/>
-                </a:rPr>
-                <a:t>)</a:t>
-              </a:r>
-            </a:p>
-            <a:p>
-              <a:endParaRPr lang="en-US" altLang="ko-KR" sz="1200" b="1" dirty="0" smtClean="0">
-                <a:latin typeface="돋움체" panose="020B0609000101010101" pitchFamily="49" charset="-127"/>
-                <a:ea typeface="돋움체" panose="020B0609000101010101" pitchFamily="49" charset="-127"/>
-              </a:endParaRPr>
-            </a:p>
-            <a:p>
-              <a:r>
-                <a:rPr lang="en-US" altLang="ko-KR" sz="1200" b="1" dirty="0" smtClean="0">
-                  <a:latin typeface="돋움체" panose="020B0609000101010101" pitchFamily="49" charset="-127"/>
-                  <a:ea typeface="돋움체" panose="020B0609000101010101" pitchFamily="49" charset="-127"/>
-                </a:rPr>
-                <a:t>2) </a:t>
-              </a:r>
-              <a:r>
-                <a:rPr lang="ko-KR" altLang="en-US" sz="1200" b="1" dirty="0" err="1" smtClean="0">
-                  <a:latin typeface="돋움체" panose="020B0609000101010101" pitchFamily="49" charset="-127"/>
-                  <a:ea typeface="돋움체" panose="020B0609000101010101" pitchFamily="49" charset="-127"/>
-                </a:rPr>
-                <a:t>카에타노협진진료정보</a:t>
-              </a:r>
-              <a:r>
-                <a:rPr lang="ko-KR" altLang="en-US" sz="1200" b="1" dirty="0" smtClean="0">
-                  <a:latin typeface="돋움체" panose="020B0609000101010101" pitchFamily="49" charset="-127"/>
-                  <a:ea typeface="돋움체" panose="020B0609000101010101" pitchFamily="49" charset="-127"/>
-                </a:rPr>
-                <a:t> 요청</a:t>
-              </a:r>
-              <a:endParaRPr lang="en-US" altLang="ko-KR" sz="1200" b="1" dirty="0">
                 <a:latin typeface="돋움체" panose="020B0609000101010101" pitchFamily="49" charset="-127"/>
                 <a:ea typeface="돋움체" panose="020B0609000101010101" pitchFamily="49" charset="-127"/>
               </a:endParaRPr>
@@ -6838,7 +9620,7 @@
     </p:spTree>
     <p:extLst>
       <p:ext uri="{BB962C8B-B14F-4D97-AF65-F5344CB8AC3E}">
-        <p14:creationId xmlns:p14="http://schemas.microsoft.com/office/powerpoint/2010/main" val="3705728196"/>
+        <p14:creationId xmlns:p14="http://schemas.microsoft.com/office/powerpoint/2010/main" val="2346068251"/>
       </p:ext>
     </p:extLst>
   </p:cSld>
@@ -7019,7 +9801,7 @@
           <a:graphicData uri="http://schemas.openxmlformats.org/presentationml/2006/ole">
             <mc:AlternateContent xmlns:mc="http://schemas.openxmlformats.org/markup-compatibility/2006">
               <mc:Choice xmlns:v="urn:schemas-microsoft-com:vml" Requires="v">
-                <p:oleObj spid="_x0000_s1037" name="워크시트" r:id="rId3" imgW="8077392" imgH="4829132" progId="Excel.Sheet.12">
+                <p:oleObj spid="_x0000_s1138" name="워크시트" r:id="rId3" imgW="8077392" imgH="4829132" progId="Excel.Sheet.12">
                   <p:embed/>
                 </p:oleObj>
               </mc:Choice>
@@ -7093,6 +9875,44 @@
       </p:grpSpPr>
       <p:sp>
         <p:nvSpPr>
+          <p:cNvPr id="20" name="타원 19"/>
+          <p:cNvSpPr/>
+          <p:nvPr/>
+        </p:nvSpPr>
+        <p:spPr>
+          <a:xfrm>
+            <a:off x="506169" y="1786094"/>
+            <a:ext cx="7810247" cy="4824536"/>
+          </a:xfrm>
+          <a:prstGeom prst="ellipse">
+            <a:avLst/>
+          </a:prstGeom>
+        </p:spPr>
+        <p:style>
+          <a:lnRef idx="2">
+            <a:schemeClr val="dk1"/>
+          </a:lnRef>
+          <a:fillRef idx="1">
+            <a:schemeClr val="lt1"/>
+          </a:fillRef>
+          <a:effectRef idx="0">
+            <a:schemeClr val="dk1"/>
+          </a:effectRef>
+          <a:fontRef idx="minor">
+            <a:schemeClr val="dk1"/>
+          </a:fontRef>
+        </p:style>
+        <p:txBody>
+          <a:bodyPr rtlCol="0" anchor="ctr"/>
+          <a:lstStyle/>
+          <a:p>
+            <a:pPr algn="ctr"/>
+            <a:endParaRPr lang="ko-KR" altLang="en-US"/>
+          </a:p>
+        </p:txBody>
+      </p:sp>
+      <p:sp>
+        <p:nvSpPr>
           <p:cNvPr id="2" name="직사각형 1"/>
           <p:cNvSpPr/>
           <p:nvPr/>
@@ -7225,81 +10045,673 @@
       </p:sp>
       <p:sp>
         <p:nvSpPr>
-          <p:cNvPr id="4" name="TextBox 3"/>
-          <p:cNvSpPr txBox="1"/>
+          <p:cNvPr id="3" name="직사각형 2"/>
+          <p:cNvSpPr/>
           <p:nvPr/>
         </p:nvSpPr>
         <p:spPr>
           <a:xfrm>
-            <a:off x="539552" y="1484784"/>
-            <a:ext cx="2897079" cy="646331"/>
+            <a:off x="3347864" y="2348880"/>
+            <a:ext cx="1872208" cy="576064"/>
           </a:xfrm>
           <a:prstGeom prst="rect">
             <a:avLst/>
           </a:prstGeom>
-          <a:noFill/>
-        </p:spPr>
-        <p:txBody>
-          <a:bodyPr wrap="square" rtlCol="0">
-            <a:spAutoFit/>
-          </a:bodyPr>
-          <a:lstStyle/>
-          <a:p>
-            <a:pPr marL="285750" indent="-285750">
-              <a:buFont typeface="Wingdings" panose="05000000000000000000" pitchFamily="2" charset="2"/>
-              <a:buChar char="ü"/>
-            </a:pPr>
-            <a:r>
-              <a:rPr lang="ko-KR" altLang="en-US" dirty="0" smtClean="0">
-                <a:solidFill>
-                  <a:srgbClr val="045953"/>
-                </a:solidFill>
-              </a:rPr>
-              <a:t>페루 원격의료 기반</a:t>
-            </a:r>
-            <a:endParaRPr lang="en-US" altLang="ko-KR" dirty="0" smtClean="0">
-              <a:solidFill>
-                <a:srgbClr val="045953"/>
-              </a:solidFill>
-            </a:endParaRPr>
-          </a:p>
-          <a:p>
-            <a:r>
-              <a:rPr lang="ko-KR" altLang="en-US" dirty="0" smtClean="0">
-                <a:solidFill>
-                  <a:srgbClr val="045953"/>
-                </a:solidFill>
-              </a:rPr>
-              <a:t>모자보건 </a:t>
-            </a:r>
-            <a:r>
-              <a:rPr lang="ko-KR" altLang="en-US" dirty="0" err="1" smtClean="0">
-                <a:solidFill>
-                  <a:srgbClr val="045953"/>
-                </a:solidFill>
-              </a:rPr>
-              <a:t>협진</a:t>
-            </a:r>
-            <a:r>
-              <a:rPr lang="ko-KR" altLang="en-US" dirty="0" smtClean="0">
-                <a:solidFill>
-                  <a:srgbClr val="045953"/>
-                </a:solidFill>
-              </a:rPr>
-              <a:t> 시나리오</a:t>
-            </a:r>
-            <a:endParaRPr lang="ko-KR" altLang="en-US" dirty="0">
-              <a:solidFill>
-                <a:srgbClr val="045953"/>
-              </a:solidFill>
-            </a:endParaRPr>
+        </p:spPr>
+        <p:style>
+          <a:lnRef idx="1">
+            <a:schemeClr val="dk1"/>
+          </a:lnRef>
+          <a:fillRef idx="2">
+            <a:schemeClr val="dk1"/>
+          </a:fillRef>
+          <a:effectRef idx="1">
+            <a:schemeClr val="dk1"/>
+          </a:effectRef>
+          <a:fontRef idx="minor">
+            <a:schemeClr val="dk1"/>
+          </a:fontRef>
+        </p:style>
+        <p:txBody>
+          <a:bodyPr rtlCol="0" anchor="ctr"/>
+          <a:lstStyle/>
+          <a:p>
+            <a:pPr algn="ctr"/>
+            <a:r>
+              <a:rPr lang="en-US" altLang="ko-KR" dirty="0" smtClean="0"/>
+              <a:t>HTTPClient.java</a:t>
+            </a:r>
+            <a:endParaRPr lang="ko-KR" altLang="en-US" dirty="0"/>
+          </a:p>
+        </p:txBody>
+      </p:sp>
+      <p:sp>
+        <p:nvSpPr>
+          <p:cNvPr id="7" name="직사각형 6"/>
+          <p:cNvSpPr/>
+          <p:nvPr/>
+        </p:nvSpPr>
+        <p:spPr>
+          <a:xfrm>
+            <a:off x="1184413" y="3284984"/>
+            <a:ext cx="1872208" cy="576064"/>
+          </a:xfrm>
+          <a:prstGeom prst="rect">
+            <a:avLst/>
+          </a:prstGeom>
+        </p:spPr>
+        <p:style>
+          <a:lnRef idx="1">
+            <a:schemeClr val="dk1"/>
+          </a:lnRef>
+          <a:fillRef idx="2">
+            <a:schemeClr val="dk1"/>
+          </a:fillRef>
+          <a:effectRef idx="1">
+            <a:schemeClr val="dk1"/>
+          </a:effectRef>
+          <a:fontRef idx="minor">
+            <a:schemeClr val="dk1"/>
+          </a:fontRef>
+        </p:style>
+        <p:txBody>
+          <a:bodyPr rtlCol="0" anchor="ctr"/>
+          <a:lstStyle/>
+          <a:p>
+            <a:pPr algn="ctr"/>
+            <a:r>
+              <a:rPr lang="en-US" altLang="ko-KR" dirty="0" smtClean="0"/>
+              <a:t>XmlWriter.java</a:t>
+            </a:r>
+            <a:endParaRPr lang="ko-KR" altLang="en-US" dirty="0"/>
+          </a:p>
+        </p:txBody>
+      </p:sp>
+      <p:sp>
+        <p:nvSpPr>
+          <p:cNvPr id="8" name="직사각형 7"/>
+          <p:cNvSpPr/>
+          <p:nvPr/>
+        </p:nvSpPr>
+        <p:spPr>
+          <a:xfrm>
+            <a:off x="5580112" y="3356992"/>
+            <a:ext cx="1872208" cy="576064"/>
+          </a:xfrm>
+          <a:prstGeom prst="rect">
+            <a:avLst/>
+          </a:prstGeom>
+        </p:spPr>
+        <p:style>
+          <a:lnRef idx="1">
+            <a:schemeClr val="dk1"/>
+          </a:lnRef>
+          <a:fillRef idx="2">
+            <a:schemeClr val="dk1"/>
+          </a:fillRef>
+          <a:effectRef idx="1">
+            <a:schemeClr val="dk1"/>
+          </a:effectRef>
+          <a:fontRef idx="minor">
+            <a:schemeClr val="dk1"/>
+          </a:fontRef>
+        </p:style>
+        <p:txBody>
+          <a:bodyPr rtlCol="0" anchor="ctr"/>
+          <a:lstStyle/>
+          <a:p>
+            <a:pPr algn="ctr"/>
+            <a:r>
+              <a:rPr lang="en-US" altLang="ko-KR" dirty="0" smtClean="0"/>
+              <a:t>XmlParser.java</a:t>
+            </a:r>
+            <a:endParaRPr lang="ko-KR" altLang="en-US" dirty="0"/>
+          </a:p>
+        </p:txBody>
+      </p:sp>
+      <p:sp>
+        <p:nvSpPr>
+          <p:cNvPr id="9" name="직사각형 8"/>
+          <p:cNvSpPr/>
+          <p:nvPr/>
+        </p:nvSpPr>
+        <p:spPr>
+          <a:xfrm>
+            <a:off x="4860032" y="5013176"/>
+            <a:ext cx="1872208" cy="576064"/>
+          </a:xfrm>
+          <a:prstGeom prst="rect">
+            <a:avLst/>
+          </a:prstGeom>
+        </p:spPr>
+        <p:style>
+          <a:lnRef idx="1">
+            <a:schemeClr val="dk1"/>
+          </a:lnRef>
+          <a:fillRef idx="2">
+            <a:schemeClr val="dk1"/>
+          </a:fillRef>
+          <a:effectRef idx="1">
+            <a:schemeClr val="dk1"/>
+          </a:effectRef>
+          <a:fontRef idx="minor">
+            <a:schemeClr val="dk1"/>
+          </a:fontRef>
+        </p:style>
+        <p:txBody>
+          <a:bodyPr rtlCol="0" anchor="ctr"/>
+          <a:lstStyle/>
+          <a:p>
+            <a:pPr algn="ctr"/>
+            <a:r>
+              <a:rPr lang="en-US" altLang="ko-KR" dirty="0" err="1" smtClean="0"/>
+              <a:t>PHR.class</a:t>
+            </a:r>
+            <a:endParaRPr lang="ko-KR" altLang="en-US" dirty="0"/>
+          </a:p>
+        </p:txBody>
+      </p:sp>
+      <p:sp>
+        <p:nvSpPr>
+          <p:cNvPr id="10" name="직사각형 9"/>
+          <p:cNvSpPr/>
+          <p:nvPr/>
+        </p:nvSpPr>
+        <p:spPr>
+          <a:xfrm>
+            <a:off x="2198329" y="5013176"/>
+            <a:ext cx="1872208" cy="576064"/>
+          </a:xfrm>
+          <a:prstGeom prst="rect">
+            <a:avLst/>
+          </a:prstGeom>
+        </p:spPr>
+        <p:style>
+          <a:lnRef idx="1">
+            <a:schemeClr val="dk1"/>
+          </a:lnRef>
+          <a:fillRef idx="2">
+            <a:schemeClr val="dk1"/>
+          </a:fillRef>
+          <a:effectRef idx="1">
+            <a:schemeClr val="dk1"/>
+          </a:effectRef>
+          <a:fontRef idx="minor">
+            <a:schemeClr val="dk1"/>
+          </a:fontRef>
+        </p:style>
+        <p:txBody>
+          <a:bodyPr rtlCol="0" anchor="ctr"/>
+          <a:lstStyle/>
+          <a:p>
+            <a:pPr algn="ctr"/>
+            <a:r>
+              <a:rPr lang="en-US" altLang="ko-KR" dirty="0" err="1" smtClean="0"/>
+              <a:t>LogIn.class</a:t>
+            </a:r>
+            <a:endParaRPr lang="ko-KR" altLang="en-US" dirty="0"/>
+          </a:p>
+        </p:txBody>
+      </p:sp>
+      <p:sp>
+        <p:nvSpPr>
+          <p:cNvPr id="11" name="직사각형 10"/>
+          <p:cNvSpPr/>
+          <p:nvPr/>
+        </p:nvSpPr>
+        <p:spPr>
+          <a:xfrm>
+            <a:off x="3555494" y="5733256"/>
+            <a:ext cx="1872208" cy="576064"/>
+          </a:xfrm>
+          <a:prstGeom prst="rect">
+            <a:avLst/>
+          </a:prstGeom>
+        </p:spPr>
+        <p:style>
+          <a:lnRef idx="1">
+            <a:schemeClr val="dk1"/>
+          </a:lnRef>
+          <a:fillRef idx="2">
+            <a:schemeClr val="dk1"/>
+          </a:fillRef>
+          <a:effectRef idx="1">
+            <a:schemeClr val="dk1"/>
+          </a:effectRef>
+          <a:fontRef idx="minor">
+            <a:schemeClr val="dk1"/>
+          </a:fontRef>
+        </p:style>
+        <p:txBody>
+          <a:bodyPr rtlCol="0" anchor="ctr"/>
+          <a:lstStyle/>
+          <a:p>
+            <a:pPr algn="ctr"/>
+            <a:r>
+              <a:rPr lang="en-US" altLang="ko-KR" dirty="0" err="1" smtClean="0"/>
+              <a:t>Myinfo.class</a:t>
+            </a:r>
+            <a:endParaRPr lang="ko-KR" altLang="en-US" dirty="0"/>
+          </a:p>
+        </p:txBody>
+      </p:sp>
+      <p:sp>
+        <p:nvSpPr>
+          <p:cNvPr id="16" name="직사각형 15"/>
+          <p:cNvSpPr/>
+          <p:nvPr/>
+        </p:nvSpPr>
+        <p:spPr>
+          <a:xfrm>
+            <a:off x="3347864" y="1412776"/>
+            <a:ext cx="1872208" cy="576064"/>
+          </a:xfrm>
+          <a:prstGeom prst="rect">
+            <a:avLst/>
+          </a:prstGeom>
+        </p:spPr>
+        <p:style>
+          <a:lnRef idx="1">
+            <a:schemeClr val="dk1"/>
+          </a:lnRef>
+          <a:fillRef idx="2">
+            <a:schemeClr val="dk1"/>
+          </a:fillRef>
+          <a:effectRef idx="1">
+            <a:schemeClr val="dk1"/>
+          </a:effectRef>
+          <a:fontRef idx="minor">
+            <a:schemeClr val="dk1"/>
+          </a:fontRef>
+        </p:style>
+        <p:txBody>
+          <a:bodyPr rtlCol="0" anchor="ctr"/>
+          <a:lstStyle/>
+          <a:p>
+            <a:pPr algn="ctr"/>
+            <a:r>
+              <a:rPr lang="en-US" altLang="ko-KR" dirty="0" smtClean="0"/>
+              <a:t>NetworkUtil.java</a:t>
+            </a:r>
+            <a:endParaRPr lang="ko-KR" altLang="en-US" dirty="0"/>
+          </a:p>
+        </p:txBody>
+      </p:sp>
+      <p:sp>
+        <p:nvSpPr>
+          <p:cNvPr id="24" name="오른쪽 화살표 23"/>
+          <p:cNvSpPr/>
+          <p:nvPr/>
+        </p:nvSpPr>
+        <p:spPr>
+          <a:xfrm rot="20317948">
+            <a:off x="1921423" y="2680415"/>
+            <a:ext cx="1423797" cy="432048"/>
+          </a:xfrm>
+          <a:prstGeom prst="rightArrow">
+            <a:avLst>
+              <a:gd name="adj1" fmla="val 18897"/>
+              <a:gd name="adj2" fmla="val 85904"/>
+            </a:avLst>
+          </a:prstGeom>
+        </p:spPr>
+        <p:style>
+          <a:lnRef idx="1">
+            <a:schemeClr val="accent1"/>
+          </a:lnRef>
+          <a:fillRef idx="3">
+            <a:schemeClr val="accent1"/>
+          </a:fillRef>
+          <a:effectRef idx="2">
+            <a:schemeClr val="accent1"/>
+          </a:effectRef>
+          <a:fontRef idx="minor">
+            <a:schemeClr val="lt1"/>
+          </a:fontRef>
+        </p:style>
+        <p:txBody>
+          <a:bodyPr rtlCol="0" anchor="ctr"/>
+          <a:lstStyle/>
+          <a:p>
+            <a:pPr algn="ctr"/>
+            <a:endParaRPr lang="ko-KR" altLang="en-US"/>
+          </a:p>
+        </p:txBody>
+      </p:sp>
+      <p:sp>
+        <p:nvSpPr>
+          <p:cNvPr id="25" name="오른쪽 화살표 24"/>
+          <p:cNvSpPr/>
+          <p:nvPr/>
+        </p:nvSpPr>
+        <p:spPr>
+          <a:xfrm rot="979867">
+            <a:off x="5360418" y="2661476"/>
+            <a:ext cx="1423797" cy="432048"/>
+          </a:xfrm>
+          <a:prstGeom prst="rightArrow">
+            <a:avLst>
+              <a:gd name="adj1" fmla="val 18897"/>
+              <a:gd name="adj2" fmla="val 85904"/>
+            </a:avLst>
+          </a:prstGeom>
+        </p:spPr>
+        <p:style>
+          <a:lnRef idx="1">
+            <a:schemeClr val="accent2"/>
+          </a:lnRef>
+          <a:fillRef idx="3">
+            <a:schemeClr val="accent2"/>
+          </a:fillRef>
+          <a:effectRef idx="2">
+            <a:schemeClr val="accent2"/>
+          </a:effectRef>
+          <a:fontRef idx="minor">
+            <a:schemeClr val="lt1"/>
+          </a:fontRef>
+        </p:style>
+        <p:txBody>
+          <a:bodyPr rtlCol="0" anchor="ctr"/>
+          <a:lstStyle/>
+          <a:p>
+            <a:pPr algn="ctr"/>
+            <a:endParaRPr lang="ko-KR" altLang="en-US"/>
+          </a:p>
+        </p:txBody>
+      </p:sp>
+      <p:sp>
+        <p:nvSpPr>
+          <p:cNvPr id="26" name="오른쪽 화살표 25"/>
+          <p:cNvSpPr/>
+          <p:nvPr/>
+        </p:nvSpPr>
+        <p:spPr>
+          <a:xfrm rot="12471716">
+            <a:off x="2138949" y="4240715"/>
+            <a:ext cx="1423797" cy="432048"/>
+          </a:xfrm>
+          <a:prstGeom prst="rightArrow">
+            <a:avLst>
+              <a:gd name="adj1" fmla="val 18897"/>
+              <a:gd name="adj2" fmla="val 85904"/>
+            </a:avLst>
+          </a:prstGeom>
+        </p:spPr>
+        <p:style>
+          <a:lnRef idx="1">
+            <a:schemeClr val="accent1"/>
+          </a:lnRef>
+          <a:fillRef idx="3">
+            <a:schemeClr val="accent1"/>
+          </a:fillRef>
+          <a:effectRef idx="2">
+            <a:schemeClr val="accent1"/>
+          </a:effectRef>
+          <a:fontRef idx="minor">
+            <a:schemeClr val="lt1"/>
+          </a:fontRef>
+        </p:style>
+        <p:txBody>
+          <a:bodyPr rtlCol="0" anchor="ctr"/>
+          <a:lstStyle/>
+          <a:p>
+            <a:pPr algn="ctr"/>
+            <a:endParaRPr lang="ko-KR" altLang="en-US"/>
+          </a:p>
+        </p:txBody>
+      </p:sp>
+      <p:sp>
+        <p:nvSpPr>
+          <p:cNvPr id="27" name="오른쪽 화살표 26"/>
+          <p:cNvSpPr/>
+          <p:nvPr/>
+        </p:nvSpPr>
+        <p:spPr>
+          <a:xfrm rot="8670817">
+            <a:off x="5099248" y="4273469"/>
+            <a:ext cx="1423797" cy="432048"/>
+          </a:xfrm>
+          <a:prstGeom prst="rightArrow">
+            <a:avLst>
+              <a:gd name="adj1" fmla="val 18897"/>
+              <a:gd name="adj2" fmla="val 85904"/>
+            </a:avLst>
+          </a:prstGeom>
+        </p:spPr>
+        <p:style>
+          <a:lnRef idx="1">
+            <a:schemeClr val="accent2"/>
+          </a:lnRef>
+          <a:fillRef idx="3">
+            <a:schemeClr val="accent2"/>
+          </a:fillRef>
+          <a:effectRef idx="2">
+            <a:schemeClr val="accent2"/>
+          </a:effectRef>
+          <a:fontRef idx="minor">
+            <a:schemeClr val="lt1"/>
+          </a:fontRef>
+        </p:style>
+        <p:txBody>
+          <a:bodyPr rtlCol="0" anchor="ctr"/>
+          <a:lstStyle/>
+          <a:p>
+            <a:pPr algn="ctr"/>
+            <a:endParaRPr lang="ko-KR" altLang="en-US"/>
+          </a:p>
+        </p:txBody>
+      </p:sp>
+      <p:sp>
+        <p:nvSpPr>
+          <p:cNvPr id="28" name="직사각형 27"/>
+          <p:cNvSpPr/>
+          <p:nvPr/>
+        </p:nvSpPr>
+        <p:spPr>
+          <a:xfrm>
+            <a:off x="6732240" y="1556792"/>
+            <a:ext cx="2079839" cy="576064"/>
+          </a:xfrm>
+          <a:prstGeom prst="rect">
+            <a:avLst/>
+          </a:prstGeom>
+        </p:spPr>
+        <p:style>
+          <a:lnRef idx="1">
+            <a:schemeClr val="dk1"/>
+          </a:lnRef>
+          <a:fillRef idx="2">
+            <a:schemeClr val="dk1"/>
+          </a:fillRef>
+          <a:effectRef idx="1">
+            <a:schemeClr val="dk1"/>
+          </a:effectRef>
+          <a:fontRef idx="minor">
+            <a:schemeClr val="dk1"/>
+          </a:fontRef>
+        </p:style>
+        <p:txBody>
+          <a:bodyPr rtlCol="0" anchor="ctr"/>
+          <a:lstStyle/>
+          <a:p>
+            <a:pPr algn="ctr"/>
+            <a:r>
+              <a:rPr lang="en-US" altLang="ko-KR" dirty="0" err="1" smtClean="0"/>
+              <a:t>SharedPreference</a:t>
+            </a:r>
+            <a:endParaRPr lang="ko-KR" altLang="en-US" dirty="0"/>
+          </a:p>
+        </p:txBody>
+      </p:sp>
+      <p:sp>
+        <p:nvSpPr>
+          <p:cNvPr id="29" name="오른쪽 화살표 28"/>
+          <p:cNvSpPr/>
+          <p:nvPr/>
+        </p:nvSpPr>
+        <p:spPr>
+          <a:xfrm rot="20648978">
+            <a:off x="5251235" y="1865692"/>
+            <a:ext cx="1464284" cy="432048"/>
+          </a:xfrm>
+          <a:prstGeom prst="rightArrow">
+            <a:avLst>
+              <a:gd name="adj1" fmla="val 18897"/>
+              <a:gd name="adj2" fmla="val 85904"/>
+            </a:avLst>
+          </a:prstGeom>
+        </p:spPr>
+        <p:style>
+          <a:lnRef idx="1">
+            <a:schemeClr val="accent2"/>
+          </a:lnRef>
+          <a:fillRef idx="3">
+            <a:schemeClr val="accent2"/>
+          </a:fillRef>
+          <a:effectRef idx="2">
+            <a:schemeClr val="accent2"/>
+          </a:effectRef>
+          <a:fontRef idx="minor">
+            <a:schemeClr val="lt1"/>
+          </a:fontRef>
+        </p:style>
+        <p:txBody>
+          <a:bodyPr rtlCol="0" anchor="ctr"/>
+          <a:lstStyle/>
+          <a:p>
+            <a:pPr algn="ctr"/>
+            <a:endParaRPr lang="ko-KR" altLang="en-US"/>
+          </a:p>
+        </p:txBody>
+      </p:sp>
+      <p:sp>
+        <p:nvSpPr>
+          <p:cNvPr id="30" name="직사각형 29"/>
+          <p:cNvSpPr/>
+          <p:nvPr/>
+        </p:nvSpPr>
+        <p:spPr>
+          <a:xfrm>
+            <a:off x="204221" y="1484015"/>
+            <a:ext cx="1343443" cy="425563"/>
+          </a:xfrm>
+          <a:prstGeom prst="rect">
+            <a:avLst/>
+          </a:prstGeom>
+        </p:spPr>
+        <p:style>
+          <a:lnRef idx="1">
+            <a:schemeClr val="dk1"/>
+          </a:lnRef>
+          <a:fillRef idx="2">
+            <a:schemeClr val="dk1"/>
+          </a:fillRef>
+          <a:effectRef idx="1">
+            <a:schemeClr val="dk1"/>
+          </a:effectRef>
+          <a:fontRef idx="minor">
+            <a:schemeClr val="dk1"/>
+          </a:fontRef>
+        </p:style>
+        <p:txBody>
+          <a:bodyPr rtlCol="0" anchor="ctr"/>
+          <a:lstStyle/>
+          <a:p>
+            <a:pPr algn="ctr"/>
+            <a:r>
+              <a:rPr lang="en-US" altLang="ko-KR" dirty="0" smtClean="0"/>
+              <a:t>Server</a:t>
+            </a:r>
+            <a:endParaRPr lang="ko-KR" altLang="en-US" dirty="0"/>
+          </a:p>
+        </p:txBody>
+      </p:sp>
+      <p:sp>
+        <p:nvSpPr>
+          <p:cNvPr id="31" name="오른쪽 화살표 30"/>
+          <p:cNvSpPr/>
+          <p:nvPr/>
+        </p:nvSpPr>
+        <p:spPr>
+          <a:xfrm rot="11784585">
+            <a:off x="1562456" y="2170591"/>
+            <a:ext cx="1660255" cy="255014"/>
+          </a:xfrm>
+          <a:prstGeom prst="rightArrow">
+            <a:avLst>
+              <a:gd name="adj1" fmla="val 18897"/>
+              <a:gd name="adj2" fmla="val 85904"/>
+            </a:avLst>
+          </a:prstGeom>
+        </p:spPr>
+        <p:style>
+          <a:lnRef idx="1">
+            <a:schemeClr val="accent1"/>
+          </a:lnRef>
+          <a:fillRef idx="3">
+            <a:schemeClr val="accent1"/>
+          </a:fillRef>
+          <a:effectRef idx="2">
+            <a:schemeClr val="accent1"/>
+          </a:effectRef>
+          <a:fontRef idx="minor">
+            <a:schemeClr val="lt1"/>
+          </a:fontRef>
+        </p:style>
+        <p:txBody>
+          <a:bodyPr rtlCol="0" anchor="ctr"/>
+          <a:lstStyle/>
+          <a:p>
+            <a:pPr algn="ctr"/>
+            <a:endParaRPr lang="ko-KR" altLang="en-US"/>
+          </a:p>
+        </p:txBody>
+      </p:sp>
+      <p:sp>
+        <p:nvSpPr>
+          <p:cNvPr id="32" name="오른쪽 화살표 31"/>
+          <p:cNvSpPr/>
+          <p:nvPr/>
+        </p:nvSpPr>
+        <p:spPr>
+          <a:xfrm rot="1237671">
+            <a:off x="1866378" y="1937300"/>
+            <a:ext cx="1464284" cy="238739"/>
+          </a:xfrm>
+          <a:prstGeom prst="rightArrow">
+            <a:avLst>
+              <a:gd name="adj1" fmla="val 18897"/>
+              <a:gd name="adj2" fmla="val 85904"/>
+            </a:avLst>
+          </a:prstGeom>
+        </p:spPr>
+        <p:style>
+          <a:lnRef idx="1">
+            <a:schemeClr val="accent2"/>
+          </a:lnRef>
+          <a:fillRef idx="3">
+            <a:schemeClr val="accent2"/>
+          </a:fillRef>
+          <a:effectRef idx="2">
+            <a:schemeClr val="accent2"/>
+          </a:effectRef>
+          <a:fontRef idx="minor">
+            <a:schemeClr val="lt1"/>
+          </a:fontRef>
+        </p:style>
+        <p:txBody>
+          <a:bodyPr rtlCol="0" anchor="ctr"/>
+          <a:lstStyle/>
+          <a:p>
+            <a:pPr algn="ctr"/>
+            <a:endParaRPr lang="ko-KR" altLang="en-US"/>
           </a:p>
         </p:txBody>
       </p:sp>
     </p:spTree>
     <p:extLst>
       <p:ext uri="{BB962C8B-B14F-4D97-AF65-F5344CB8AC3E}">
-        <p14:creationId xmlns:p14="http://schemas.microsoft.com/office/powerpoint/2010/main" val="75841352"/>
+        <p14:creationId xmlns:p14="http://schemas.microsoft.com/office/powerpoint/2010/main" val="4057621359"/>
       </p:ext>
     </p:extLst>
   </p:cSld>
@@ -7328,6 +10740,44 @@
       </p:grpSpPr>
       <p:sp>
         <p:nvSpPr>
+          <p:cNvPr id="18" name="타원 17"/>
+          <p:cNvSpPr/>
+          <p:nvPr/>
+        </p:nvSpPr>
+        <p:spPr>
+          <a:xfrm>
+            <a:off x="499323" y="1772816"/>
+            <a:ext cx="7810247" cy="4824536"/>
+          </a:xfrm>
+          <a:prstGeom prst="ellipse">
+            <a:avLst/>
+          </a:prstGeom>
+        </p:spPr>
+        <p:style>
+          <a:lnRef idx="2">
+            <a:schemeClr val="dk1"/>
+          </a:lnRef>
+          <a:fillRef idx="1">
+            <a:schemeClr val="lt1"/>
+          </a:fillRef>
+          <a:effectRef idx="0">
+            <a:schemeClr val="dk1"/>
+          </a:effectRef>
+          <a:fontRef idx="minor">
+            <a:schemeClr val="dk1"/>
+          </a:fontRef>
+        </p:style>
+        <p:txBody>
+          <a:bodyPr rtlCol="0" anchor="ctr"/>
+          <a:lstStyle/>
+          <a:p>
+            <a:pPr algn="ctr"/>
+            <a:endParaRPr lang="ko-KR" altLang="en-US"/>
+          </a:p>
+        </p:txBody>
+      </p:sp>
+      <p:sp>
+        <p:nvSpPr>
           <p:cNvPr id="2" name="직사각형 1"/>
           <p:cNvSpPr/>
           <p:nvPr/>
@@ -7377,8 +10827,8 @@
         </p:nvSpPr>
         <p:spPr>
           <a:xfrm>
-            <a:off x="395536" y="437763"/>
-            <a:ext cx="4246676" cy="830997"/>
+            <a:off x="506169" y="437763"/>
+            <a:ext cx="3555782" cy="830997"/>
           </a:xfrm>
           <a:prstGeom prst="rect">
             <a:avLst/>
@@ -7414,7 +10864,28 @@
                   </a:outerShdw>
                 </a:effectLst>
               </a:rPr>
-              <a:t> APP Demo</a:t>
+              <a:t> </a:t>
+            </a:r>
+            <a:r>
+              <a:rPr lang="ko-KR" altLang="en-US" sz="4800" b="1" dirty="0" smtClean="0">
+                <a:ln w="18415" cmpd="sng">
+                  <a:solidFill>
+                    <a:srgbClr val="FFFFFF"/>
+                  </a:solidFill>
+                  <a:prstDash val="solid"/>
+                </a:ln>
+                <a:solidFill>
+                  <a:srgbClr val="FFFFFF"/>
+                </a:solidFill>
+                <a:effectLst>
+                  <a:outerShdw blurRad="63500" dir="3600000" algn="tl" rotWithShape="0">
+                    <a:srgbClr val="000000">
+                      <a:alpha val="70000"/>
+                    </a:srgbClr>
+                  </a:outerShdw>
+                </a:effectLst>
+              </a:rPr>
+              <a:t>코드리뷰</a:t>
             </a:r>
             <a:endParaRPr lang="en-US" altLang="ko-KR" sz="4800" b="1" cap="none" spc="0" dirty="0">
               <a:ln w="18415" cmpd="sng">
@@ -7439,14 +10910,462 @@
       </p:sp>
       <p:sp>
         <p:nvSpPr>
-          <p:cNvPr id="4" name="TextBox 3"/>
-          <p:cNvSpPr txBox="1"/>
+          <p:cNvPr id="8" name="직사각형 7"/>
+          <p:cNvSpPr/>
           <p:nvPr/>
         </p:nvSpPr>
         <p:spPr>
           <a:xfrm>
-            <a:off x="539552" y="1484784"/>
-            <a:ext cx="2897079" cy="646331"/>
+            <a:off x="5580112" y="3356992"/>
+            <a:ext cx="1872208" cy="576064"/>
+          </a:xfrm>
+          <a:prstGeom prst="rect">
+            <a:avLst/>
+          </a:prstGeom>
+        </p:spPr>
+        <p:style>
+          <a:lnRef idx="1">
+            <a:schemeClr val="dk1"/>
+          </a:lnRef>
+          <a:fillRef idx="2">
+            <a:schemeClr val="dk1"/>
+          </a:fillRef>
+          <a:effectRef idx="1">
+            <a:schemeClr val="dk1"/>
+          </a:effectRef>
+          <a:fontRef idx="minor">
+            <a:schemeClr val="dk1"/>
+          </a:fontRef>
+        </p:style>
+        <p:txBody>
+          <a:bodyPr rtlCol="0" anchor="ctr"/>
+          <a:lstStyle/>
+          <a:p>
+            <a:pPr algn="ctr"/>
+            <a:r>
+              <a:rPr lang="en-US" altLang="ko-KR" dirty="0" smtClean="0"/>
+              <a:t>XmlParser.java</a:t>
+            </a:r>
+            <a:endParaRPr lang="ko-KR" altLang="en-US" dirty="0"/>
+          </a:p>
+        </p:txBody>
+      </p:sp>
+      <p:sp>
+        <p:nvSpPr>
+          <p:cNvPr id="9" name="직사각형 8"/>
+          <p:cNvSpPr/>
+          <p:nvPr/>
+        </p:nvSpPr>
+        <p:spPr>
+          <a:xfrm>
+            <a:off x="4860032" y="5013176"/>
+            <a:ext cx="1872208" cy="576064"/>
+          </a:xfrm>
+          <a:prstGeom prst="rect">
+            <a:avLst/>
+          </a:prstGeom>
+        </p:spPr>
+        <p:style>
+          <a:lnRef idx="1">
+            <a:schemeClr val="dk1"/>
+          </a:lnRef>
+          <a:fillRef idx="2">
+            <a:schemeClr val="dk1"/>
+          </a:fillRef>
+          <a:effectRef idx="1">
+            <a:schemeClr val="dk1"/>
+          </a:effectRef>
+          <a:fontRef idx="minor">
+            <a:schemeClr val="dk1"/>
+          </a:fontRef>
+        </p:style>
+        <p:txBody>
+          <a:bodyPr rtlCol="0" anchor="ctr"/>
+          <a:lstStyle/>
+          <a:p>
+            <a:pPr algn="ctr"/>
+            <a:r>
+              <a:rPr lang="en-US" altLang="ko-KR" dirty="0" smtClean="0"/>
+              <a:t>PHR.java</a:t>
+            </a:r>
+            <a:endParaRPr lang="ko-KR" altLang="en-US" dirty="0"/>
+          </a:p>
+        </p:txBody>
+      </p:sp>
+      <p:sp>
+        <p:nvSpPr>
+          <p:cNvPr id="10" name="직사각형 9"/>
+          <p:cNvSpPr/>
+          <p:nvPr/>
+        </p:nvSpPr>
+        <p:spPr>
+          <a:xfrm>
+            <a:off x="2198329" y="5013176"/>
+            <a:ext cx="1872208" cy="576064"/>
+          </a:xfrm>
+          <a:prstGeom prst="rect">
+            <a:avLst/>
+          </a:prstGeom>
+        </p:spPr>
+        <p:style>
+          <a:lnRef idx="1">
+            <a:schemeClr val="dk1"/>
+          </a:lnRef>
+          <a:fillRef idx="2">
+            <a:schemeClr val="dk1"/>
+          </a:fillRef>
+          <a:effectRef idx="1">
+            <a:schemeClr val="dk1"/>
+          </a:effectRef>
+          <a:fontRef idx="minor">
+            <a:schemeClr val="dk1"/>
+          </a:fontRef>
+        </p:style>
+        <p:txBody>
+          <a:bodyPr rtlCol="0" anchor="ctr"/>
+          <a:lstStyle/>
+          <a:p>
+            <a:pPr algn="ctr"/>
+            <a:r>
+              <a:rPr lang="en-US" altLang="ko-KR" dirty="0" smtClean="0"/>
+              <a:t>LogIn.java</a:t>
+            </a:r>
+            <a:endParaRPr lang="ko-KR" altLang="en-US" dirty="0"/>
+          </a:p>
+        </p:txBody>
+      </p:sp>
+      <p:sp>
+        <p:nvSpPr>
+          <p:cNvPr id="11" name="직사각형 10"/>
+          <p:cNvSpPr/>
+          <p:nvPr/>
+        </p:nvSpPr>
+        <p:spPr>
+          <a:xfrm>
+            <a:off x="3555494" y="5733256"/>
+            <a:ext cx="1872208" cy="576064"/>
+          </a:xfrm>
+          <a:prstGeom prst="rect">
+            <a:avLst/>
+          </a:prstGeom>
+        </p:spPr>
+        <p:style>
+          <a:lnRef idx="1">
+            <a:schemeClr val="dk1"/>
+          </a:lnRef>
+          <a:fillRef idx="2">
+            <a:schemeClr val="dk1"/>
+          </a:fillRef>
+          <a:effectRef idx="1">
+            <a:schemeClr val="dk1"/>
+          </a:effectRef>
+          <a:fontRef idx="minor">
+            <a:schemeClr val="dk1"/>
+          </a:fontRef>
+        </p:style>
+        <p:txBody>
+          <a:bodyPr rtlCol="0" anchor="ctr"/>
+          <a:lstStyle/>
+          <a:p>
+            <a:pPr algn="ctr"/>
+            <a:r>
+              <a:rPr lang="en-US" altLang="ko-KR" dirty="0" smtClean="0"/>
+              <a:t>Myinfo.java</a:t>
+            </a:r>
+            <a:endParaRPr lang="ko-KR" altLang="en-US" dirty="0"/>
+          </a:p>
+        </p:txBody>
+      </p:sp>
+      <p:sp>
+        <p:nvSpPr>
+          <p:cNvPr id="25" name="오른쪽 화살표 24"/>
+          <p:cNvSpPr/>
+          <p:nvPr/>
+        </p:nvSpPr>
+        <p:spPr>
+          <a:xfrm rot="424692">
+            <a:off x="3782431" y="2739668"/>
+            <a:ext cx="2647288" cy="432048"/>
+          </a:xfrm>
+          <a:prstGeom prst="rightArrow">
+            <a:avLst>
+              <a:gd name="adj1" fmla="val 18897"/>
+              <a:gd name="adj2" fmla="val 85904"/>
+            </a:avLst>
+          </a:prstGeom>
+        </p:spPr>
+        <p:style>
+          <a:lnRef idx="1">
+            <a:schemeClr val="accent2"/>
+          </a:lnRef>
+          <a:fillRef idx="3">
+            <a:schemeClr val="accent2"/>
+          </a:fillRef>
+          <a:effectRef idx="2">
+            <a:schemeClr val="accent2"/>
+          </a:effectRef>
+          <a:fontRef idx="minor">
+            <a:schemeClr val="lt1"/>
+          </a:fontRef>
+        </p:style>
+        <p:txBody>
+          <a:bodyPr rtlCol="0" anchor="ctr"/>
+          <a:lstStyle/>
+          <a:p>
+            <a:pPr algn="ctr"/>
+            <a:endParaRPr lang="ko-KR" altLang="en-US"/>
+          </a:p>
+        </p:txBody>
+      </p:sp>
+      <p:sp>
+        <p:nvSpPr>
+          <p:cNvPr id="26" name="오른쪽 화살표 25"/>
+          <p:cNvSpPr/>
+          <p:nvPr/>
+        </p:nvSpPr>
+        <p:spPr>
+          <a:xfrm rot="14513732">
+            <a:off x="2270939" y="3900944"/>
+            <a:ext cx="1829723" cy="432048"/>
+          </a:xfrm>
+          <a:prstGeom prst="rightArrow">
+            <a:avLst>
+              <a:gd name="adj1" fmla="val 18897"/>
+              <a:gd name="adj2" fmla="val 85904"/>
+            </a:avLst>
+          </a:prstGeom>
+        </p:spPr>
+        <p:style>
+          <a:lnRef idx="1">
+            <a:schemeClr val="accent1"/>
+          </a:lnRef>
+          <a:fillRef idx="3">
+            <a:schemeClr val="accent1"/>
+          </a:fillRef>
+          <a:effectRef idx="2">
+            <a:schemeClr val="accent1"/>
+          </a:effectRef>
+          <a:fontRef idx="minor">
+            <a:schemeClr val="lt1"/>
+          </a:fontRef>
+        </p:style>
+        <p:txBody>
+          <a:bodyPr rtlCol="0" anchor="ctr"/>
+          <a:lstStyle/>
+          <a:p>
+            <a:pPr algn="ctr"/>
+            <a:endParaRPr lang="ko-KR" altLang="en-US"/>
+          </a:p>
+        </p:txBody>
+      </p:sp>
+      <p:sp>
+        <p:nvSpPr>
+          <p:cNvPr id="27" name="오른쪽 화살표 26"/>
+          <p:cNvSpPr/>
+          <p:nvPr/>
+        </p:nvSpPr>
+        <p:spPr>
+          <a:xfrm rot="8670817">
+            <a:off x="5099248" y="4273469"/>
+            <a:ext cx="1423797" cy="432048"/>
+          </a:xfrm>
+          <a:prstGeom prst="rightArrow">
+            <a:avLst>
+              <a:gd name="adj1" fmla="val 18897"/>
+              <a:gd name="adj2" fmla="val 85904"/>
+            </a:avLst>
+          </a:prstGeom>
+        </p:spPr>
+        <p:style>
+          <a:lnRef idx="1">
+            <a:schemeClr val="accent2"/>
+          </a:lnRef>
+          <a:fillRef idx="3">
+            <a:schemeClr val="accent2"/>
+          </a:fillRef>
+          <a:effectRef idx="2">
+            <a:schemeClr val="accent2"/>
+          </a:effectRef>
+          <a:fontRef idx="minor">
+            <a:schemeClr val="lt1"/>
+          </a:fontRef>
+        </p:style>
+        <p:txBody>
+          <a:bodyPr rtlCol="0" anchor="ctr"/>
+          <a:lstStyle/>
+          <a:p>
+            <a:pPr algn="ctr"/>
+            <a:endParaRPr lang="ko-KR" altLang="en-US"/>
+          </a:p>
+        </p:txBody>
+      </p:sp>
+      <p:sp>
+        <p:nvSpPr>
+          <p:cNvPr id="17" name="직사각형 16"/>
+          <p:cNvSpPr/>
+          <p:nvPr/>
+        </p:nvSpPr>
+        <p:spPr>
+          <a:xfrm>
+            <a:off x="1475655" y="2589468"/>
+            <a:ext cx="2079839" cy="576064"/>
+          </a:xfrm>
+          <a:prstGeom prst="rect">
+            <a:avLst/>
+          </a:prstGeom>
+        </p:spPr>
+        <p:style>
+          <a:lnRef idx="1">
+            <a:schemeClr val="dk1"/>
+          </a:lnRef>
+          <a:fillRef idx="2">
+            <a:schemeClr val="dk1"/>
+          </a:fillRef>
+          <a:effectRef idx="1">
+            <a:schemeClr val="dk1"/>
+          </a:effectRef>
+          <a:fontRef idx="minor">
+            <a:schemeClr val="dk1"/>
+          </a:fontRef>
+        </p:style>
+        <p:txBody>
+          <a:bodyPr rtlCol="0" anchor="ctr"/>
+          <a:lstStyle/>
+          <a:p>
+            <a:pPr algn="ctr"/>
+            <a:r>
+              <a:rPr lang="en-US" altLang="ko-KR" dirty="0" err="1" smtClean="0"/>
+              <a:t>SharedPreference</a:t>
+            </a:r>
+            <a:endParaRPr lang="ko-KR" altLang="en-US" dirty="0"/>
+          </a:p>
+        </p:txBody>
+      </p:sp>
+      <p:sp>
+        <p:nvSpPr>
+          <p:cNvPr id="19" name="직사각형 18"/>
+          <p:cNvSpPr/>
+          <p:nvPr/>
+        </p:nvSpPr>
+        <p:spPr>
+          <a:xfrm>
+            <a:off x="3374639" y="1484784"/>
+            <a:ext cx="1872208" cy="576064"/>
+          </a:xfrm>
+          <a:prstGeom prst="rect">
+            <a:avLst/>
+          </a:prstGeom>
+        </p:spPr>
+        <p:style>
+          <a:lnRef idx="1">
+            <a:schemeClr val="dk1"/>
+          </a:lnRef>
+          <a:fillRef idx="2">
+            <a:schemeClr val="dk1"/>
+          </a:fillRef>
+          <a:effectRef idx="1">
+            <a:schemeClr val="dk1"/>
+          </a:effectRef>
+          <a:fontRef idx="minor">
+            <a:schemeClr val="dk1"/>
+          </a:fontRef>
+        </p:style>
+        <p:txBody>
+          <a:bodyPr rtlCol="0" anchor="ctr"/>
+          <a:lstStyle/>
+          <a:p>
+            <a:pPr algn="ctr"/>
+            <a:r>
+              <a:rPr lang="en-US" altLang="ko-KR" dirty="0" smtClean="0"/>
+              <a:t>NetworkUtil.java</a:t>
+            </a:r>
+            <a:endParaRPr lang="ko-KR" altLang="en-US" dirty="0"/>
+          </a:p>
+        </p:txBody>
+      </p:sp>
+    </p:spTree>
+    <p:extLst>
+      <p:ext uri="{BB962C8B-B14F-4D97-AF65-F5344CB8AC3E}">
+        <p14:creationId xmlns:p14="http://schemas.microsoft.com/office/powerpoint/2010/main" val="1268777367"/>
+      </p:ext>
+    </p:extLst>
+  </p:cSld>
+  <p:clrMapOvr>
+    <a:masterClrMapping/>
+  </p:clrMapOvr>
+</p:sld>
+</file>
+
+<file path=ppt/slides/slide8.xml><?xml version="1.0" encoding="utf-8"?>
+<p:sld xmlns:a="http://schemas.openxmlformats.org/drawingml/2006/main" xmlns:r="http://schemas.openxmlformats.org/officeDocument/2006/relationships" xmlns:p="http://schemas.openxmlformats.org/presentationml/2006/main">
+  <p:cSld>
+    <p:spTree>
+      <p:nvGrpSpPr>
+        <p:cNvPr id="1" name=""/>
+        <p:cNvGrpSpPr/>
+        <p:nvPr/>
+      </p:nvGrpSpPr>
+      <p:grpSpPr>
+        <a:xfrm>
+          <a:off x="0" y="0"/>
+          <a:ext cx="0" cy="0"/>
+          <a:chOff x="0" y="0"/>
+          <a:chExt cx="0" cy="0"/>
+        </a:xfrm>
+      </p:grpSpPr>
+      <p:sp>
+        <p:nvSpPr>
+          <p:cNvPr id="2" name="직사각형 1"/>
+          <p:cNvSpPr/>
+          <p:nvPr/>
+        </p:nvSpPr>
+        <p:spPr>
+          <a:xfrm>
+            <a:off x="351138" y="404664"/>
+            <a:ext cx="8280920" cy="859819"/>
+          </a:xfrm>
+          <a:prstGeom prst="rect">
+            <a:avLst/>
+          </a:prstGeom>
+          <a:solidFill>
+            <a:srgbClr val="045953"/>
+          </a:solidFill>
+        </p:spPr>
+        <p:style>
+          <a:lnRef idx="2">
+            <a:schemeClr val="accent1">
+              <a:shade val="50000"/>
+            </a:schemeClr>
+          </a:lnRef>
+          <a:fillRef idx="1">
+            <a:schemeClr val="accent1"/>
+          </a:fillRef>
+          <a:effectRef idx="0">
+            <a:schemeClr val="accent1"/>
+          </a:effectRef>
+          <a:fontRef idx="minor">
+            <a:schemeClr val="lt1"/>
+          </a:fontRef>
+        </p:style>
+        <p:txBody>
+          <a:bodyPr rtlCol="0" anchor="ctr"/>
+          <a:lstStyle/>
+          <a:p>
+            <a:pPr algn="ctr"/>
+            <a:endParaRPr lang="ko-KR" altLang="en-US"/>
+          </a:p>
+        </p:txBody>
+      </p:sp>
+      <p:sp>
+        <p:nvSpPr>
+          <p:cNvPr id="6" name="직사각형 5"/>
+          <p:cNvSpPr/>
+          <p:nvPr/>
+        </p:nvSpPr>
+        <p:spPr>
+          <a:xfrm>
+            <a:off x="506169" y="437763"/>
+            <a:ext cx="3555782" cy="830997"/>
           </a:xfrm>
           <a:prstGeom prst="rect">
             <a:avLst/>
@@ -7454,66 +11373,450 @@
           <a:noFill/>
         </p:spPr>
         <p:txBody>
-          <a:bodyPr wrap="square" rtlCol="0">
+          <a:bodyPr wrap="none" lIns="91440" tIns="45720" rIns="91440" bIns="45720">
             <a:spAutoFit/>
           </a:bodyPr>
           <a:lstStyle/>
           <a:p>
-            <a:pPr marL="285750" indent="-285750">
+            <a:pPr marL="685800" indent="-685800" algn="ctr">
               <a:buFont typeface="Wingdings" panose="05000000000000000000" pitchFamily="2" charset="2"/>
-              <a:buChar char="ü"/>
+              <a:buChar char="u"/>
             </a:pPr>
             <a:r>
-              <a:rPr lang="ko-KR" altLang="en-US" dirty="0" smtClean="0">
+              <a:rPr lang="en-US" altLang="ko-KR" sz="4800" b="1" dirty="0" smtClean="0">
+                <a:ln w="18415" cmpd="sng">
+                  <a:solidFill>
+                    <a:srgbClr val="FFFFFF"/>
+                  </a:solidFill>
+                  <a:prstDash val="solid"/>
+                </a:ln>
                 <a:solidFill>
-                  <a:srgbClr val="045953"/>
+                  <a:srgbClr val="FFFFFF"/>
                 </a:solidFill>
+                <a:effectLst>
+                  <a:outerShdw blurRad="63500" dir="3600000" algn="tl" rotWithShape="0">
+                    <a:srgbClr val="000000">
+                      <a:alpha val="70000"/>
+                    </a:srgbClr>
+                  </a:outerShdw>
+                </a:effectLst>
               </a:rPr>
-              <a:t>페루 원격의료 기반</a:t>
-            </a:r>
-            <a:endParaRPr lang="en-US" altLang="ko-KR" dirty="0" smtClean="0">
+              <a:t> </a:t>
+            </a:r>
+            <a:r>
+              <a:rPr lang="ko-KR" altLang="en-US" sz="4800" b="1" dirty="0" smtClean="0">
+                <a:ln w="18415" cmpd="sng">
+                  <a:solidFill>
+                    <a:srgbClr val="FFFFFF"/>
+                  </a:solidFill>
+                  <a:prstDash val="solid"/>
+                </a:ln>
+                <a:solidFill>
+                  <a:srgbClr val="FFFFFF"/>
+                </a:solidFill>
+                <a:effectLst>
+                  <a:outerShdw blurRad="63500" dir="3600000" algn="tl" rotWithShape="0">
+                    <a:srgbClr val="000000">
+                      <a:alpha val="70000"/>
+                    </a:srgbClr>
+                  </a:outerShdw>
+                </a:effectLst>
+              </a:rPr>
+              <a:t>코드리뷰</a:t>
+            </a:r>
+            <a:endParaRPr lang="en-US" altLang="ko-KR" sz="4800" b="1" cap="none" spc="0" dirty="0">
+              <a:ln w="18415" cmpd="sng">
+                <a:solidFill>
+                  <a:srgbClr val="FFFFFF"/>
+                </a:solidFill>
+                <a:prstDash val="solid"/>
+              </a:ln>
               <a:solidFill>
-                <a:srgbClr val="045953"/>
+                <a:srgbClr val="FFFFFF"/>
               </a:solidFill>
+              <a:effectLst>
+                <a:outerShdw blurRad="63500" dir="3600000" algn="tl" rotWithShape="0">
+                  <a:srgbClr val="000000">
+                    <a:alpha val="70000"/>
+                  </a:srgbClr>
+                </a:outerShdw>
+              </a:effectLst>
             </a:endParaRPr>
           </a:p>
-          <a:p>
-            <a:r>
-              <a:rPr lang="ko-KR" altLang="en-US" dirty="0" smtClean="0">
+        </p:txBody>
+      </p:sp>
+      <p:pic>
+        <p:nvPicPr>
+          <p:cNvPr id="6146" name="Picture 2" descr="C:\Users\chiyo\Desktop\캡쳐\protocol.PNG"/>
+          <p:cNvPicPr>
+            <a:picLocks noChangeAspect="1" noChangeArrowheads="1"/>
+          </p:cNvPicPr>
+          <p:nvPr/>
+        </p:nvPicPr>
+        <p:blipFill>
+          <a:blip r:embed="rId2">
+            <a:extLst>
+              <a:ext uri="{28A0092B-C50C-407E-A947-70E740481C1C}">
+                <a14:useLocalDpi xmlns:a14="http://schemas.microsoft.com/office/drawing/2010/main" val="0"/>
+              </a:ext>
+            </a:extLst>
+          </a:blip>
+          <a:srcRect/>
+          <a:stretch>
+            <a:fillRect/>
+          </a:stretch>
+        </p:blipFill>
+        <p:spPr bwMode="auto">
+          <a:xfrm>
+            <a:off x="827584" y="1412776"/>
+            <a:ext cx="4107526" cy="5121325"/>
+          </a:xfrm>
+          <a:prstGeom prst="rect">
+            <a:avLst/>
+          </a:prstGeom>
+          <a:noFill/>
+          <a:extLst>
+            <a:ext uri="{909E8E84-426E-40DD-AFC4-6F175D3DCCD1}">
+              <a14:hiddenFill xmlns:a14="http://schemas.microsoft.com/office/drawing/2010/main">
                 <a:solidFill>
-                  <a:srgbClr val="045953"/>
+                  <a:srgbClr val="FFFFFF"/>
                 </a:solidFill>
-              </a:rPr>
-              <a:t>모자보건 </a:t>
-            </a:r>
-            <a:r>
-              <a:rPr lang="ko-KR" altLang="en-US" dirty="0" err="1" smtClean="0">
+              </a14:hiddenFill>
+            </a:ext>
+          </a:extLst>
+        </p:spPr>
+      </p:pic>
+      <p:pic>
+        <p:nvPicPr>
+          <p:cNvPr id="6147" name="Picture 3" descr="C:\Users\chiyo\Desktop\캡쳐\protocol2.PNG"/>
+          <p:cNvPicPr>
+            <a:picLocks noChangeAspect="1" noChangeArrowheads="1"/>
+          </p:cNvPicPr>
+          <p:nvPr/>
+        </p:nvPicPr>
+        <p:blipFill>
+          <a:blip r:embed="rId3">
+            <a:extLst>
+              <a:ext uri="{28A0092B-C50C-407E-A947-70E740481C1C}">
+                <a14:useLocalDpi xmlns:a14="http://schemas.microsoft.com/office/drawing/2010/main" val="0"/>
+              </a:ext>
+            </a:extLst>
+          </a:blip>
+          <a:srcRect/>
+          <a:stretch>
+            <a:fillRect/>
+          </a:stretch>
+        </p:blipFill>
+        <p:spPr bwMode="auto">
+          <a:xfrm>
+            <a:off x="4321655" y="1729915"/>
+            <a:ext cx="4310403" cy="4801617"/>
+          </a:xfrm>
+          <a:prstGeom prst="rect">
+            <a:avLst/>
+          </a:prstGeom>
+          <a:noFill/>
+          <a:extLst>
+            <a:ext uri="{909E8E84-426E-40DD-AFC4-6F175D3DCCD1}">
+              <a14:hiddenFill xmlns:a14="http://schemas.microsoft.com/office/drawing/2010/main">
                 <a:solidFill>
-                  <a:srgbClr val="045953"/>
+                  <a:srgbClr val="FFFFFF"/>
                 </a:solidFill>
-              </a:rPr>
-              <a:t>협진</a:t>
-            </a:r>
-            <a:r>
-              <a:rPr lang="ko-KR" altLang="en-US" dirty="0" smtClean="0">
-                <a:solidFill>
-                  <a:srgbClr val="045953"/>
-                </a:solidFill>
-              </a:rPr>
-              <a:t> 시나리오</a:t>
-            </a:r>
-            <a:endParaRPr lang="ko-KR" altLang="en-US" dirty="0">
-              <a:solidFill>
-                <a:srgbClr val="045953"/>
-              </a:solidFill>
-            </a:endParaRPr>
-          </a:p>
-        </p:txBody>
-      </p:sp>
+              </a14:hiddenFill>
+            </a:ext>
+          </a:extLst>
+        </p:spPr>
+      </p:pic>
     </p:spTree>
     <p:extLst>
       <p:ext uri="{BB962C8B-B14F-4D97-AF65-F5344CB8AC3E}">
-        <p14:creationId xmlns:p14="http://schemas.microsoft.com/office/powerpoint/2010/main" val="1107205666"/>
+        <p14:creationId xmlns:p14="http://schemas.microsoft.com/office/powerpoint/2010/main" val="2227356691"/>
+      </p:ext>
+    </p:extLst>
+  </p:cSld>
+  <p:clrMapOvr>
+    <a:masterClrMapping/>
+  </p:clrMapOvr>
+</p:sld>
+</file>
+
+<file path=ppt/slides/slide9.xml><?xml version="1.0" encoding="utf-8"?>
+<p:sld xmlns:a="http://schemas.openxmlformats.org/drawingml/2006/main" xmlns:r="http://schemas.openxmlformats.org/officeDocument/2006/relationships" xmlns:p="http://schemas.openxmlformats.org/presentationml/2006/main">
+  <p:cSld>
+    <p:spTree>
+      <p:nvGrpSpPr>
+        <p:cNvPr id="1" name=""/>
+        <p:cNvGrpSpPr/>
+        <p:nvPr/>
+      </p:nvGrpSpPr>
+      <p:grpSpPr>
+        <a:xfrm>
+          <a:off x="0" y="0"/>
+          <a:ext cx="0" cy="0"/>
+          <a:chOff x="0" y="0"/>
+          <a:chExt cx="0" cy="0"/>
+        </a:xfrm>
+      </p:grpSpPr>
+      <p:sp>
+        <p:nvSpPr>
+          <p:cNvPr id="2" name="직사각형 1"/>
+          <p:cNvSpPr/>
+          <p:nvPr/>
+        </p:nvSpPr>
+        <p:spPr>
+          <a:xfrm>
+            <a:off x="351138" y="404664"/>
+            <a:ext cx="8280920" cy="859819"/>
+          </a:xfrm>
+          <a:prstGeom prst="rect">
+            <a:avLst/>
+          </a:prstGeom>
+          <a:solidFill>
+            <a:srgbClr val="045953"/>
+          </a:solidFill>
+        </p:spPr>
+        <p:style>
+          <a:lnRef idx="2">
+            <a:schemeClr val="accent1">
+              <a:shade val="50000"/>
+            </a:schemeClr>
+          </a:lnRef>
+          <a:fillRef idx="1">
+            <a:schemeClr val="accent1"/>
+          </a:fillRef>
+          <a:effectRef idx="0">
+            <a:schemeClr val="accent1"/>
+          </a:effectRef>
+          <a:fontRef idx="minor">
+            <a:schemeClr val="lt1"/>
+          </a:fontRef>
+        </p:style>
+        <p:txBody>
+          <a:bodyPr rtlCol="0" anchor="ctr"/>
+          <a:lstStyle/>
+          <a:p>
+            <a:pPr algn="ctr"/>
+            <a:endParaRPr lang="ko-KR" altLang="en-US"/>
+          </a:p>
+        </p:txBody>
+      </p:sp>
+      <p:sp>
+        <p:nvSpPr>
+          <p:cNvPr id="6" name="직사각형 5"/>
+          <p:cNvSpPr/>
+          <p:nvPr/>
+        </p:nvSpPr>
+        <p:spPr>
+          <a:xfrm>
+            <a:off x="506169" y="437763"/>
+            <a:ext cx="3555782" cy="830997"/>
+          </a:xfrm>
+          <a:prstGeom prst="rect">
+            <a:avLst/>
+          </a:prstGeom>
+          <a:noFill/>
+        </p:spPr>
+        <p:txBody>
+          <a:bodyPr wrap="none" lIns="91440" tIns="45720" rIns="91440" bIns="45720">
+            <a:spAutoFit/>
+          </a:bodyPr>
+          <a:lstStyle/>
+          <a:p>
+            <a:pPr marL="685800" indent="-685800" algn="ctr">
+              <a:buFont typeface="Wingdings" panose="05000000000000000000" pitchFamily="2" charset="2"/>
+              <a:buChar char="u"/>
+            </a:pPr>
+            <a:r>
+              <a:rPr lang="en-US" altLang="ko-KR" sz="4800" b="1" dirty="0" smtClean="0">
+                <a:ln w="18415" cmpd="sng">
+                  <a:solidFill>
+                    <a:srgbClr val="FFFFFF"/>
+                  </a:solidFill>
+                  <a:prstDash val="solid"/>
+                </a:ln>
+                <a:solidFill>
+                  <a:srgbClr val="FFFFFF"/>
+                </a:solidFill>
+                <a:effectLst>
+                  <a:outerShdw blurRad="63500" dir="3600000" algn="tl" rotWithShape="0">
+                    <a:srgbClr val="000000">
+                      <a:alpha val="70000"/>
+                    </a:srgbClr>
+                  </a:outerShdw>
+                </a:effectLst>
+              </a:rPr>
+              <a:t> </a:t>
+            </a:r>
+            <a:r>
+              <a:rPr lang="ko-KR" altLang="en-US" sz="4800" b="1" dirty="0" smtClean="0">
+                <a:ln w="18415" cmpd="sng">
+                  <a:solidFill>
+                    <a:srgbClr val="FFFFFF"/>
+                  </a:solidFill>
+                  <a:prstDash val="solid"/>
+                </a:ln>
+                <a:solidFill>
+                  <a:srgbClr val="FFFFFF"/>
+                </a:solidFill>
+                <a:effectLst>
+                  <a:outerShdw blurRad="63500" dir="3600000" algn="tl" rotWithShape="0">
+                    <a:srgbClr val="000000">
+                      <a:alpha val="70000"/>
+                    </a:srgbClr>
+                  </a:outerShdw>
+                </a:effectLst>
+              </a:rPr>
+              <a:t>코드리뷰</a:t>
+            </a:r>
+            <a:endParaRPr lang="en-US" altLang="ko-KR" sz="4800" b="1" cap="none" spc="0" dirty="0">
+              <a:ln w="18415" cmpd="sng">
+                <a:solidFill>
+                  <a:srgbClr val="FFFFFF"/>
+                </a:solidFill>
+                <a:prstDash val="solid"/>
+              </a:ln>
+              <a:solidFill>
+                <a:srgbClr val="FFFFFF"/>
+              </a:solidFill>
+              <a:effectLst>
+                <a:outerShdw blurRad="63500" dir="3600000" algn="tl" rotWithShape="0">
+                  <a:srgbClr val="000000">
+                    <a:alpha val="70000"/>
+                  </a:srgbClr>
+                </a:outerShdw>
+              </a:effectLst>
+            </a:endParaRPr>
+          </a:p>
+        </p:txBody>
+      </p:sp>
+      <p:sp>
+        <p:nvSpPr>
+          <p:cNvPr id="14" name="직사각형 13"/>
+          <p:cNvSpPr/>
+          <p:nvPr/>
+        </p:nvSpPr>
+        <p:spPr>
+          <a:xfrm>
+            <a:off x="683568" y="1700808"/>
+            <a:ext cx="1872208" cy="576064"/>
+          </a:xfrm>
+          <a:prstGeom prst="rect">
+            <a:avLst/>
+          </a:prstGeom>
+        </p:spPr>
+        <p:style>
+          <a:lnRef idx="1">
+            <a:schemeClr val="dk1"/>
+          </a:lnRef>
+          <a:fillRef idx="2">
+            <a:schemeClr val="dk1"/>
+          </a:fillRef>
+          <a:effectRef idx="1">
+            <a:schemeClr val="dk1"/>
+          </a:effectRef>
+          <a:fontRef idx="minor">
+            <a:schemeClr val="dk1"/>
+          </a:fontRef>
+        </p:style>
+        <p:txBody>
+          <a:bodyPr rtlCol="0" anchor="ctr"/>
+          <a:lstStyle/>
+          <a:p>
+            <a:pPr algn="ctr"/>
+            <a:r>
+              <a:rPr lang="en-US" altLang="ko-KR" dirty="0"/>
+              <a:t>NetworkUtil.java</a:t>
+            </a:r>
+            <a:endParaRPr lang="ko-KR" altLang="en-US" dirty="0"/>
+          </a:p>
+        </p:txBody>
+      </p:sp>
+      <p:pic>
+        <p:nvPicPr>
+          <p:cNvPr id="2050" name="Picture 2" descr="C:\Users\chiyo\Desktop\캡쳐\networkUtil.PNG"/>
+          <p:cNvPicPr>
+            <a:picLocks noChangeAspect="1" noChangeArrowheads="1"/>
+          </p:cNvPicPr>
+          <p:nvPr/>
+        </p:nvPicPr>
+        <p:blipFill>
+          <a:blip r:embed="rId2">
+            <a:extLst>
+              <a:ext uri="{28A0092B-C50C-407E-A947-70E740481C1C}">
+                <a14:useLocalDpi xmlns:a14="http://schemas.microsoft.com/office/drawing/2010/main" val="0"/>
+              </a:ext>
+            </a:extLst>
+          </a:blip>
+          <a:srcRect/>
+          <a:stretch>
+            <a:fillRect/>
+          </a:stretch>
+        </p:blipFill>
+        <p:spPr bwMode="auto">
+          <a:xfrm>
+            <a:off x="3261150" y="1556792"/>
+            <a:ext cx="4705350" cy="2266950"/>
+          </a:xfrm>
+          <a:prstGeom prst="rect">
+            <a:avLst/>
+          </a:prstGeom>
+          <a:noFill/>
+          <a:extLst>
+            <a:ext uri="{909E8E84-426E-40DD-AFC4-6F175D3DCCD1}">
+              <a14:hiddenFill xmlns:a14="http://schemas.microsoft.com/office/drawing/2010/main">
+                <a:solidFill>
+                  <a:srgbClr val="FFFFFF"/>
+                </a:solidFill>
+              </a14:hiddenFill>
+            </a:ext>
+          </a:extLst>
+        </p:spPr>
+      </p:pic>
+      <p:pic>
+        <p:nvPicPr>
+          <p:cNvPr id="2051" name="Picture 3" descr="C:\Users\chiyo\Desktop\캡쳐\newwor2.PNG"/>
+          <p:cNvPicPr>
+            <a:picLocks noChangeAspect="1" noChangeArrowheads="1"/>
+          </p:cNvPicPr>
+          <p:nvPr/>
+        </p:nvPicPr>
+        <p:blipFill>
+          <a:blip r:embed="rId3">
+            <a:extLst>
+              <a:ext uri="{28A0092B-C50C-407E-A947-70E740481C1C}">
+                <a14:useLocalDpi xmlns:a14="http://schemas.microsoft.com/office/drawing/2010/main" val="0"/>
+              </a:ext>
+            </a:extLst>
+          </a:blip>
+          <a:srcRect/>
+          <a:stretch>
+            <a:fillRect/>
+          </a:stretch>
+        </p:blipFill>
+        <p:spPr bwMode="auto">
+          <a:xfrm>
+            <a:off x="3203848" y="3861048"/>
+            <a:ext cx="4714875" cy="2449910"/>
+          </a:xfrm>
+          <a:prstGeom prst="rect">
+            <a:avLst/>
+          </a:prstGeom>
+          <a:noFill/>
+          <a:extLst>
+            <a:ext uri="{909E8E84-426E-40DD-AFC4-6F175D3DCCD1}">
+              <a14:hiddenFill xmlns:a14="http://schemas.microsoft.com/office/drawing/2010/main">
+                <a:solidFill>
+                  <a:srgbClr val="FFFFFF"/>
+                </a:solidFill>
+              </a14:hiddenFill>
+            </a:ext>
+          </a:extLst>
+        </p:spPr>
+      </p:pic>
+    </p:spTree>
+    <p:extLst>
+      <p:ext uri="{BB962C8B-B14F-4D97-AF65-F5344CB8AC3E}">
+        <p14:creationId xmlns:p14="http://schemas.microsoft.com/office/powerpoint/2010/main" val="3341580166"/>
       </p:ext>
     </p:extLst>
   </p:cSld>
